--- a/Assignments/BigData MapReduce.pptx
+++ b/Assignments/BigData MapReduce.pptx
@@ -107,6 +107,22 @@
       </a:defRPr>
     </a:lvl9pPr>
   </p:defaultTextStyle>
+  <p:extLst>
+    <p:ext uri="{EFAFB233-063F-42B5-8137-9DF3F51BA10A}">
+      <p15:sldGuideLst xmlns:p15="http://schemas.microsoft.com/office/powerpoint/2012/main">
+        <p15:guide id="1" orient="horz" pos="2160">
+          <p15:clr>
+            <a:srgbClr val="A4A3A4"/>
+          </p15:clr>
+        </p15:guide>
+        <p15:guide id="2" pos="2880">
+          <p15:clr>
+            <a:srgbClr val="A4A3A4"/>
+          </p15:clr>
+        </p15:guide>
+      </p15:sldGuideLst>
+    </p:ext>
+  </p:extLst>
 </p:presentation>
 </file>
 
@@ -192,7 +208,7 @@
           <a:p>
             <a:fld id="{FBEF94B6-4D6D-BC49-9B1B-2DCD25ED700E}" type="datetimeFigureOut">
               <a:rPr lang="en-US" smtClean="0"/>
-              <a:t>2/13/16</a:t>
+              <a:t>8/5/2020</a:t>
             </a:fld>
             <a:endParaRPr lang="en-US"/>
           </a:p>
@@ -256,38 +272,37 @@
           <a:p>
             <a:pPr lvl="0"/>
             <a:r>
-              <a:rPr lang="en-US" smtClean="0"/>
+              <a:rPr lang="en-US"/>
               <a:t>Click to edit Master text styles</a:t>
             </a:r>
           </a:p>
           <a:p>
             <a:pPr lvl="1"/>
             <a:r>
-              <a:rPr lang="en-US" smtClean="0"/>
+              <a:rPr lang="en-US"/>
               <a:t>Second level</a:t>
             </a:r>
           </a:p>
           <a:p>
             <a:pPr lvl="2"/>
             <a:r>
-              <a:rPr lang="en-US" smtClean="0"/>
+              <a:rPr lang="en-US"/>
               <a:t>Third level</a:t>
             </a:r>
           </a:p>
           <a:p>
             <a:pPr lvl="3"/>
             <a:r>
-              <a:rPr lang="en-US" smtClean="0"/>
+              <a:rPr lang="en-US"/>
               <a:t>Fourth level</a:t>
             </a:r>
           </a:p>
           <a:p>
             <a:pPr lvl="4"/>
             <a:r>
-              <a:rPr lang="en-US" smtClean="0"/>
+              <a:rPr lang="en-US"/>
               <a:t>Fifth level</a:t>
             </a:r>
-            <a:endParaRPr lang="en-US"/>
           </a:p>
         </p:txBody>
       </p:sp>
@@ -582,10 +597,9 @@
           <a:lstStyle/>
           <a:p>
             <a:r>
-              <a:rPr lang="en-US" smtClean="0"/>
+              <a:rPr lang="en-US"/>
               <a:t>Click to edit Master title style</a:t>
             </a:r>
-            <a:endParaRPr lang="en-US"/>
           </a:p>
         </p:txBody>
       </p:sp>
@@ -701,10 +715,9 @@
           </a:lstStyle>
           <a:p>
             <a:r>
-              <a:rPr lang="en-US" smtClean="0"/>
+              <a:rPr lang="en-US"/>
               <a:t>Click to edit Master subtitle style</a:t>
             </a:r>
-            <a:endParaRPr lang="en-US"/>
           </a:p>
         </p:txBody>
       </p:sp>
@@ -725,7 +738,7 @@
           <a:p>
             <a:fld id="{64D85211-36CF-6844-8413-EF479547C2A8}" type="datetimeFigureOut">
               <a:rPr lang="en-US" smtClean="0"/>
-              <a:t>2/13/16</a:t>
+              <a:t>8/5/2020</a:t>
             </a:fld>
             <a:endParaRPr lang="en-US"/>
           </a:p>
@@ -819,10 +832,9 @@
           <a:lstStyle/>
           <a:p>
             <a:r>
-              <a:rPr lang="en-US" smtClean="0"/>
+              <a:rPr lang="en-US"/>
               <a:t>Click to edit Master title style</a:t>
             </a:r>
-            <a:endParaRPr lang="en-US"/>
           </a:p>
         </p:txBody>
       </p:sp>
@@ -843,38 +855,37 @@
           <a:p>
             <a:pPr lvl="0"/>
             <a:r>
-              <a:rPr lang="en-US" smtClean="0"/>
+              <a:rPr lang="en-US"/>
               <a:t>Click to edit Master text styles</a:t>
             </a:r>
           </a:p>
           <a:p>
             <a:pPr lvl="1"/>
             <a:r>
-              <a:rPr lang="en-US" smtClean="0"/>
+              <a:rPr lang="en-US"/>
               <a:t>Second level</a:t>
             </a:r>
           </a:p>
           <a:p>
             <a:pPr lvl="2"/>
             <a:r>
-              <a:rPr lang="en-US" smtClean="0"/>
+              <a:rPr lang="en-US"/>
               <a:t>Third level</a:t>
             </a:r>
           </a:p>
           <a:p>
             <a:pPr lvl="3"/>
             <a:r>
-              <a:rPr lang="en-US" smtClean="0"/>
+              <a:rPr lang="en-US"/>
               <a:t>Fourth level</a:t>
             </a:r>
           </a:p>
           <a:p>
             <a:pPr lvl="4"/>
             <a:r>
-              <a:rPr lang="en-US" smtClean="0"/>
+              <a:rPr lang="en-US"/>
               <a:t>Fifth level</a:t>
             </a:r>
-            <a:endParaRPr lang="en-US"/>
           </a:p>
         </p:txBody>
       </p:sp>
@@ -895,7 +906,7 @@
           <a:p>
             <a:fld id="{64D85211-36CF-6844-8413-EF479547C2A8}" type="datetimeFigureOut">
               <a:rPr lang="en-US" smtClean="0"/>
-              <a:t>2/13/16</a:t>
+              <a:t>8/5/2020</a:t>
             </a:fld>
             <a:endParaRPr lang="en-US"/>
           </a:p>
@@ -994,10 +1005,9 @@
           <a:lstStyle/>
           <a:p>
             <a:r>
-              <a:rPr lang="en-US" smtClean="0"/>
+              <a:rPr lang="en-US"/>
               <a:t>Click to edit Master title style</a:t>
             </a:r>
-            <a:endParaRPr lang="en-US"/>
           </a:p>
         </p:txBody>
       </p:sp>
@@ -1023,38 +1033,37 @@
           <a:p>
             <a:pPr lvl="0"/>
             <a:r>
-              <a:rPr lang="en-US" smtClean="0"/>
+              <a:rPr lang="en-US"/>
               <a:t>Click to edit Master text styles</a:t>
             </a:r>
           </a:p>
           <a:p>
             <a:pPr lvl="1"/>
             <a:r>
-              <a:rPr lang="en-US" smtClean="0"/>
+              <a:rPr lang="en-US"/>
               <a:t>Second level</a:t>
             </a:r>
           </a:p>
           <a:p>
             <a:pPr lvl="2"/>
             <a:r>
-              <a:rPr lang="en-US" smtClean="0"/>
+              <a:rPr lang="en-US"/>
               <a:t>Third level</a:t>
             </a:r>
           </a:p>
           <a:p>
             <a:pPr lvl="3"/>
             <a:r>
-              <a:rPr lang="en-US" smtClean="0"/>
+              <a:rPr lang="en-US"/>
               <a:t>Fourth level</a:t>
             </a:r>
           </a:p>
           <a:p>
             <a:pPr lvl="4"/>
             <a:r>
-              <a:rPr lang="en-US" smtClean="0"/>
+              <a:rPr lang="en-US"/>
               <a:t>Fifth level</a:t>
             </a:r>
-            <a:endParaRPr lang="en-US"/>
           </a:p>
         </p:txBody>
       </p:sp>
@@ -1075,7 +1084,7 @@
           <a:p>
             <a:fld id="{64D85211-36CF-6844-8413-EF479547C2A8}" type="datetimeFigureOut">
               <a:rPr lang="en-US" smtClean="0"/>
-              <a:t>2/13/16</a:t>
+              <a:t>8/5/2020</a:t>
             </a:fld>
             <a:endParaRPr lang="en-US"/>
           </a:p>
@@ -1169,10 +1178,9 @@
           <a:lstStyle/>
           <a:p>
             <a:r>
-              <a:rPr lang="en-US" smtClean="0"/>
+              <a:rPr lang="en-US"/>
               <a:t>Click to edit Master title style</a:t>
             </a:r>
-            <a:endParaRPr lang="en-US"/>
           </a:p>
         </p:txBody>
       </p:sp>
@@ -1193,38 +1201,37 @@
           <a:p>
             <a:pPr lvl="0"/>
             <a:r>
-              <a:rPr lang="en-US" smtClean="0"/>
+              <a:rPr lang="en-US"/>
               <a:t>Click to edit Master text styles</a:t>
             </a:r>
           </a:p>
           <a:p>
             <a:pPr lvl="1"/>
             <a:r>
-              <a:rPr lang="en-US" smtClean="0"/>
+              <a:rPr lang="en-US"/>
               <a:t>Second level</a:t>
             </a:r>
           </a:p>
           <a:p>
             <a:pPr lvl="2"/>
             <a:r>
-              <a:rPr lang="en-US" smtClean="0"/>
+              <a:rPr lang="en-US"/>
               <a:t>Third level</a:t>
             </a:r>
           </a:p>
           <a:p>
             <a:pPr lvl="3"/>
             <a:r>
-              <a:rPr lang="en-US" smtClean="0"/>
+              <a:rPr lang="en-US"/>
               <a:t>Fourth level</a:t>
             </a:r>
           </a:p>
           <a:p>
             <a:pPr lvl="4"/>
             <a:r>
-              <a:rPr lang="en-US" smtClean="0"/>
+              <a:rPr lang="en-US"/>
               <a:t>Fifth level</a:t>
             </a:r>
-            <a:endParaRPr lang="en-US"/>
           </a:p>
         </p:txBody>
       </p:sp>
@@ -1245,7 +1252,7 @@
           <a:p>
             <a:fld id="{64D85211-36CF-6844-8413-EF479547C2A8}" type="datetimeFigureOut">
               <a:rPr lang="en-US" smtClean="0"/>
-              <a:t>2/13/16</a:t>
+              <a:t>8/5/2020</a:t>
             </a:fld>
             <a:endParaRPr lang="en-US"/>
           </a:p>
@@ -1348,10 +1355,9 @@
           </a:lstStyle>
           <a:p>
             <a:r>
-              <a:rPr lang="en-US" smtClean="0"/>
+              <a:rPr lang="en-US"/>
               <a:t>Click to edit Master title style</a:t>
             </a:r>
-            <a:endParaRPr lang="en-US"/>
           </a:p>
         </p:txBody>
       </p:sp>
@@ -1468,7 +1474,7 @@
           <a:p>
             <a:pPr lvl="0"/>
             <a:r>
-              <a:rPr lang="en-US" smtClean="0"/>
+              <a:rPr lang="en-US"/>
               <a:t>Click to edit Master text styles</a:t>
             </a:r>
           </a:p>
@@ -1491,7 +1497,7 @@
           <a:p>
             <a:fld id="{64D85211-36CF-6844-8413-EF479547C2A8}" type="datetimeFigureOut">
               <a:rPr lang="en-US" smtClean="0"/>
-              <a:t>2/13/16</a:t>
+              <a:t>8/5/2020</a:t>
             </a:fld>
             <a:endParaRPr lang="en-US"/>
           </a:p>
@@ -1585,10 +1591,9 @@
           <a:lstStyle/>
           <a:p>
             <a:r>
-              <a:rPr lang="en-US" smtClean="0"/>
+              <a:rPr lang="en-US"/>
               <a:t>Click to edit Master title style</a:t>
             </a:r>
-            <a:endParaRPr lang="en-US"/>
           </a:p>
         </p:txBody>
       </p:sp>
@@ -1642,38 +1647,37 @@
           <a:p>
             <a:pPr lvl="0"/>
             <a:r>
-              <a:rPr lang="en-US" smtClean="0"/>
+              <a:rPr lang="en-US"/>
               <a:t>Click to edit Master text styles</a:t>
             </a:r>
           </a:p>
           <a:p>
             <a:pPr lvl="1"/>
             <a:r>
-              <a:rPr lang="en-US" smtClean="0"/>
+              <a:rPr lang="en-US"/>
               <a:t>Second level</a:t>
             </a:r>
           </a:p>
           <a:p>
             <a:pPr lvl="2"/>
             <a:r>
-              <a:rPr lang="en-US" smtClean="0"/>
+              <a:rPr lang="en-US"/>
               <a:t>Third level</a:t>
             </a:r>
           </a:p>
           <a:p>
             <a:pPr lvl="3"/>
             <a:r>
-              <a:rPr lang="en-US" smtClean="0"/>
+              <a:rPr lang="en-US"/>
               <a:t>Fourth level</a:t>
             </a:r>
           </a:p>
           <a:p>
             <a:pPr lvl="4"/>
             <a:r>
-              <a:rPr lang="en-US" smtClean="0"/>
+              <a:rPr lang="en-US"/>
               <a:t>Fifth level</a:t>
             </a:r>
-            <a:endParaRPr lang="en-US"/>
           </a:p>
         </p:txBody>
       </p:sp>
@@ -1727,38 +1731,37 @@
           <a:p>
             <a:pPr lvl="0"/>
             <a:r>
-              <a:rPr lang="en-US" smtClean="0"/>
+              <a:rPr lang="en-US"/>
               <a:t>Click to edit Master text styles</a:t>
             </a:r>
           </a:p>
           <a:p>
             <a:pPr lvl="1"/>
             <a:r>
-              <a:rPr lang="en-US" smtClean="0"/>
+              <a:rPr lang="en-US"/>
               <a:t>Second level</a:t>
             </a:r>
           </a:p>
           <a:p>
             <a:pPr lvl="2"/>
             <a:r>
-              <a:rPr lang="en-US" smtClean="0"/>
+              <a:rPr lang="en-US"/>
               <a:t>Third level</a:t>
             </a:r>
           </a:p>
           <a:p>
             <a:pPr lvl="3"/>
             <a:r>
-              <a:rPr lang="en-US" smtClean="0"/>
+              <a:rPr lang="en-US"/>
               <a:t>Fourth level</a:t>
             </a:r>
           </a:p>
           <a:p>
             <a:pPr lvl="4"/>
             <a:r>
-              <a:rPr lang="en-US" smtClean="0"/>
+              <a:rPr lang="en-US"/>
               <a:t>Fifth level</a:t>
             </a:r>
-            <a:endParaRPr lang="en-US"/>
           </a:p>
         </p:txBody>
       </p:sp>
@@ -1779,7 +1782,7 @@
           <a:p>
             <a:fld id="{64D85211-36CF-6844-8413-EF479547C2A8}" type="datetimeFigureOut">
               <a:rPr lang="en-US" smtClean="0"/>
-              <a:t>2/13/16</a:t>
+              <a:t>8/5/2020</a:t>
             </a:fld>
             <a:endParaRPr lang="en-US"/>
           </a:p>
@@ -1877,10 +1880,9 @@
           </a:lstStyle>
           <a:p>
             <a:r>
-              <a:rPr lang="en-US" smtClean="0"/>
+              <a:rPr lang="en-US"/>
               <a:t>Click to edit Master title style</a:t>
             </a:r>
-            <a:endParaRPr lang="en-US"/>
           </a:p>
         </p:txBody>
       </p:sp>
@@ -1943,7 +1945,7 @@
           <a:p>
             <a:pPr lvl="0"/>
             <a:r>
-              <a:rPr lang="en-US" smtClean="0"/>
+              <a:rPr lang="en-US"/>
               <a:t>Click to edit Master text styles</a:t>
             </a:r>
           </a:p>
@@ -1999,38 +2001,37 @@
           <a:p>
             <a:pPr lvl="0"/>
             <a:r>
-              <a:rPr lang="en-US" smtClean="0"/>
+              <a:rPr lang="en-US"/>
               <a:t>Click to edit Master text styles</a:t>
             </a:r>
           </a:p>
           <a:p>
             <a:pPr lvl="1"/>
             <a:r>
-              <a:rPr lang="en-US" smtClean="0"/>
+              <a:rPr lang="en-US"/>
               <a:t>Second level</a:t>
             </a:r>
           </a:p>
           <a:p>
             <a:pPr lvl="2"/>
             <a:r>
-              <a:rPr lang="en-US" smtClean="0"/>
+              <a:rPr lang="en-US"/>
               <a:t>Third level</a:t>
             </a:r>
           </a:p>
           <a:p>
             <a:pPr lvl="3"/>
             <a:r>
-              <a:rPr lang="en-US" smtClean="0"/>
+              <a:rPr lang="en-US"/>
               <a:t>Fourth level</a:t>
             </a:r>
           </a:p>
           <a:p>
             <a:pPr lvl="4"/>
             <a:r>
-              <a:rPr lang="en-US" smtClean="0"/>
+              <a:rPr lang="en-US"/>
               <a:t>Fifth level</a:t>
             </a:r>
-            <a:endParaRPr lang="en-US"/>
           </a:p>
         </p:txBody>
       </p:sp>
@@ -2093,7 +2094,7 @@
           <a:p>
             <a:pPr lvl="0"/>
             <a:r>
-              <a:rPr lang="en-US" smtClean="0"/>
+              <a:rPr lang="en-US"/>
               <a:t>Click to edit Master text styles</a:t>
             </a:r>
           </a:p>
@@ -2149,38 +2150,37 @@
           <a:p>
             <a:pPr lvl="0"/>
             <a:r>
-              <a:rPr lang="en-US" smtClean="0"/>
+              <a:rPr lang="en-US"/>
               <a:t>Click to edit Master text styles</a:t>
             </a:r>
           </a:p>
           <a:p>
             <a:pPr lvl="1"/>
             <a:r>
-              <a:rPr lang="en-US" smtClean="0"/>
+              <a:rPr lang="en-US"/>
               <a:t>Second level</a:t>
             </a:r>
           </a:p>
           <a:p>
             <a:pPr lvl="2"/>
             <a:r>
-              <a:rPr lang="en-US" smtClean="0"/>
+              <a:rPr lang="en-US"/>
               <a:t>Third level</a:t>
             </a:r>
           </a:p>
           <a:p>
             <a:pPr lvl="3"/>
             <a:r>
-              <a:rPr lang="en-US" smtClean="0"/>
+              <a:rPr lang="en-US"/>
               <a:t>Fourth level</a:t>
             </a:r>
           </a:p>
           <a:p>
             <a:pPr lvl="4"/>
             <a:r>
-              <a:rPr lang="en-US" smtClean="0"/>
+              <a:rPr lang="en-US"/>
               <a:t>Fifth level</a:t>
             </a:r>
-            <a:endParaRPr lang="en-US"/>
           </a:p>
         </p:txBody>
       </p:sp>
@@ -2201,7 +2201,7 @@
           <a:p>
             <a:fld id="{64D85211-36CF-6844-8413-EF479547C2A8}" type="datetimeFigureOut">
               <a:rPr lang="en-US" smtClean="0"/>
-              <a:t>2/13/16</a:t>
+              <a:t>8/5/2020</a:t>
             </a:fld>
             <a:endParaRPr lang="en-US"/>
           </a:p>
@@ -2295,10 +2295,9 @@
           <a:lstStyle/>
           <a:p>
             <a:r>
-              <a:rPr lang="en-US" smtClean="0"/>
+              <a:rPr lang="en-US"/>
               <a:t>Click to edit Master title style</a:t>
             </a:r>
-            <a:endParaRPr lang="en-US"/>
           </a:p>
         </p:txBody>
       </p:sp>
@@ -2319,7 +2318,7 @@
           <a:p>
             <a:fld id="{64D85211-36CF-6844-8413-EF479547C2A8}" type="datetimeFigureOut">
               <a:rPr lang="en-US" smtClean="0"/>
-              <a:t>2/13/16</a:t>
+              <a:t>8/5/2020</a:t>
             </a:fld>
             <a:endParaRPr lang="en-US"/>
           </a:p>
@@ -2414,7 +2413,7 @@
           <a:p>
             <a:fld id="{64D85211-36CF-6844-8413-EF479547C2A8}" type="datetimeFigureOut">
               <a:rPr lang="en-US" smtClean="0"/>
-              <a:t>2/13/16</a:t>
+              <a:t>8/5/2020</a:t>
             </a:fld>
             <a:endParaRPr lang="en-US"/>
           </a:p>
@@ -2517,10 +2516,9 @@
           </a:lstStyle>
           <a:p>
             <a:r>
-              <a:rPr lang="en-US" smtClean="0"/>
+              <a:rPr lang="en-US"/>
               <a:t>Click to edit Master title style</a:t>
             </a:r>
-            <a:endParaRPr lang="en-US"/>
           </a:p>
         </p:txBody>
       </p:sp>
@@ -2574,38 +2572,37 @@
           <a:p>
             <a:pPr lvl="0"/>
             <a:r>
-              <a:rPr lang="en-US" smtClean="0"/>
+              <a:rPr lang="en-US"/>
               <a:t>Click to edit Master text styles</a:t>
             </a:r>
           </a:p>
           <a:p>
             <a:pPr lvl="1"/>
             <a:r>
-              <a:rPr lang="en-US" smtClean="0"/>
+              <a:rPr lang="en-US"/>
               <a:t>Second level</a:t>
             </a:r>
           </a:p>
           <a:p>
             <a:pPr lvl="2"/>
             <a:r>
-              <a:rPr lang="en-US" smtClean="0"/>
+              <a:rPr lang="en-US"/>
               <a:t>Third level</a:t>
             </a:r>
           </a:p>
           <a:p>
             <a:pPr lvl="3"/>
             <a:r>
-              <a:rPr lang="en-US" smtClean="0"/>
+              <a:rPr lang="en-US"/>
               <a:t>Fourth level</a:t>
             </a:r>
           </a:p>
           <a:p>
             <a:pPr lvl="4"/>
             <a:r>
-              <a:rPr lang="en-US" smtClean="0"/>
+              <a:rPr lang="en-US"/>
               <a:t>Fifth level</a:t>
             </a:r>
-            <a:endParaRPr lang="en-US"/>
           </a:p>
         </p:txBody>
       </p:sp>
@@ -2668,7 +2665,7 @@
           <a:p>
             <a:pPr lvl="0"/>
             <a:r>
-              <a:rPr lang="en-US" smtClean="0"/>
+              <a:rPr lang="en-US"/>
               <a:t>Click to edit Master text styles</a:t>
             </a:r>
           </a:p>
@@ -2691,7 +2688,7 @@
           <a:p>
             <a:fld id="{64D85211-36CF-6844-8413-EF479547C2A8}" type="datetimeFigureOut">
               <a:rPr lang="en-US" smtClean="0"/>
-              <a:t>2/13/16</a:t>
+              <a:t>8/5/2020</a:t>
             </a:fld>
             <a:endParaRPr lang="en-US"/>
           </a:p>
@@ -2794,10 +2791,9 @@
           </a:lstStyle>
           <a:p>
             <a:r>
-              <a:rPr lang="en-US" smtClean="0"/>
+              <a:rPr lang="en-US"/>
               <a:t>Click to edit Master title style</a:t>
             </a:r>
-            <a:endParaRPr lang="en-US"/>
           </a:p>
         </p:txBody>
       </p:sp>
@@ -2921,7 +2917,7 @@
           <a:p>
             <a:pPr lvl="0"/>
             <a:r>
-              <a:rPr lang="en-US" smtClean="0"/>
+              <a:rPr lang="en-US"/>
               <a:t>Click to edit Master text styles</a:t>
             </a:r>
           </a:p>
@@ -2944,7 +2940,7 @@
           <a:p>
             <a:fld id="{64D85211-36CF-6844-8413-EF479547C2A8}" type="datetimeFigureOut">
               <a:rPr lang="en-US" smtClean="0"/>
-              <a:t>2/13/16</a:t>
+              <a:t>8/5/2020</a:t>
             </a:fld>
             <a:endParaRPr lang="en-US"/>
           </a:p>
@@ -3053,10 +3049,9 @@
           <a:lstStyle/>
           <a:p>
             <a:r>
-              <a:rPr lang="en-US" smtClean="0"/>
+              <a:rPr lang="en-US"/>
               <a:t>Click to edit Master title style</a:t>
             </a:r>
-            <a:endParaRPr lang="en-US"/>
           </a:p>
         </p:txBody>
       </p:sp>
@@ -3087,38 +3082,37 @@
           <a:p>
             <a:pPr lvl="0"/>
             <a:r>
-              <a:rPr lang="en-US" smtClean="0"/>
+              <a:rPr lang="en-US"/>
               <a:t>Click to edit Master text styles</a:t>
             </a:r>
           </a:p>
           <a:p>
             <a:pPr lvl="1"/>
             <a:r>
-              <a:rPr lang="en-US" smtClean="0"/>
+              <a:rPr lang="en-US"/>
               <a:t>Second level</a:t>
             </a:r>
           </a:p>
           <a:p>
             <a:pPr lvl="2"/>
             <a:r>
-              <a:rPr lang="en-US" smtClean="0"/>
+              <a:rPr lang="en-US"/>
               <a:t>Third level</a:t>
             </a:r>
           </a:p>
           <a:p>
             <a:pPr lvl="3"/>
             <a:r>
-              <a:rPr lang="en-US" smtClean="0"/>
+              <a:rPr lang="en-US"/>
               <a:t>Fourth level</a:t>
             </a:r>
           </a:p>
           <a:p>
             <a:pPr lvl="4"/>
             <a:r>
-              <a:rPr lang="en-US" smtClean="0"/>
+              <a:rPr lang="en-US"/>
               <a:t>Fifth level</a:t>
             </a:r>
-            <a:endParaRPr lang="en-US"/>
           </a:p>
         </p:txBody>
       </p:sp>
@@ -3157,7 +3151,7 @@
           <a:p>
             <a:fld id="{64D85211-36CF-6844-8413-EF479547C2A8}" type="datetimeFigureOut">
               <a:rPr lang="en-US" smtClean="0"/>
-              <a:t>2/13/16</a:t>
+              <a:t>8/5/2020</a:t>
             </a:fld>
             <a:endParaRPr lang="en-US"/>
           </a:p>
@@ -4694,26 +4688,9 @@
           <a:p>
             <a:pPr algn="ctr"/>
             <a:r>
-              <a:rPr lang="en-US" sz="2400" b="1" dirty="0" smtClean="0"/>
-              <a:t>STEP 0 </a:t>
+              <a:rPr lang="en-US" sz="2400" b="1" dirty="0"/>
+              <a:t>STEP 0 – STORE  TO HDFS</a:t>
             </a:r>
-            <a:r>
-              <a:rPr lang="en-US" sz="2400" b="1" dirty="0" smtClean="0"/>
-              <a:t>– </a:t>
-            </a:r>
-            <a:r>
-              <a:rPr lang="en-US" sz="2400" b="1" dirty="0" smtClean="0"/>
-              <a:t>STORE </a:t>
-            </a:r>
-            <a:r>
-              <a:rPr lang="en-US" sz="2400" b="1" dirty="0" smtClean="0"/>
-              <a:t> </a:t>
-            </a:r>
-            <a:r>
-              <a:rPr lang="en-US" sz="2400" b="1" dirty="0" smtClean="0"/>
-              <a:t>TO HDFS</a:t>
-            </a:r>
-            <a:endParaRPr lang="en-US" sz="2400" b="1" dirty="0"/>
           </a:p>
         </p:txBody>
       </p:sp>
@@ -4741,10 +4718,9 @@
           <a:p>
             <a:pPr algn="ctr"/>
             <a:r>
-              <a:rPr lang="en-US" sz="2400" b="1" dirty="0" smtClean="0"/>
+              <a:rPr lang="en-US" sz="2400" b="1" dirty="0"/>
               <a:t>1 - MAP</a:t>
             </a:r>
-            <a:endParaRPr lang="en-US" sz="2400" b="1" dirty="0"/>
           </a:p>
         </p:txBody>
       </p:sp>
@@ -4772,17 +4748,16 @@
           <a:p>
             <a:pPr algn="ctr"/>
             <a:r>
-              <a:rPr lang="en-US" sz="2400" b="1" dirty="0" smtClean="0"/>
+              <a:rPr lang="en-US" sz="2400" b="1" dirty="0"/>
               <a:t>2 – SHUFFLE</a:t>
             </a:r>
           </a:p>
           <a:p>
             <a:pPr algn="ctr"/>
             <a:r>
-              <a:rPr lang="en-US" sz="2400" b="1" dirty="0" smtClean="0"/>
+              <a:rPr lang="en-US" sz="2400" b="1" dirty="0"/>
               <a:t>and SORT</a:t>
             </a:r>
-            <a:endParaRPr lang="en-US" sz="2400" b="1" dirty="0"/>
           </a:p>
         </p:txBody>
       </p:sp>
@@ -4810,10 +4785,9 @@
           <a:p>
             <a:pPr algn="ctr"/>
             <a:r>
-              <a:rPr lang="en-US" sz="2400" b="1" dirty="0" smtClean="0"/>
+              <a:rPr lang="en-US" sz="2400" b="1" dirty="0"/>
               <a:t>3 - REDUCE</a:t>
             </a:r>
-            <a:endParaRPr lang="en-US" sz="2400" b="1" dirty="0"/>
           </a:p>
         </p:txBody>
       </p:sp>
@@ -4841,10 +4815,9 @@
           <a:p>
             <a:pPr algn="ctr"/>
             <a:r>
-              <a:rPr lang="en-US" u="sng" dirty="0" smtClean="0"/>
+              <a:rPr lang="en-US" u="sng" dirty="0"/>
               <a:t>Assume 4 data partitions.</a:t>
             </a:r>
-            <a:endParaRPr lang="en-US" u="sng" dirty="0"/>
           </a:p>
         </p:txBody>
       </p:sp>
@@ -5474,10 +5447,9 @@
           <a:p>
             <a:pPr algn="ctr"/>
             <a:r>
-              <a:rPr lang="en-US" sz="2400" dirty="0" smtClean="0"/>
-              <a:t>(        ,  __  )</a:t>
+              <a:rPr lang="en-US" sz="2400" dirty="0"/>
+              <a:t>(        ,  8  )</a:t>
             </a:r>
-            <a:endParaRPr lang="en-US" sz="2400" dirty="0"/>
           </a:p>
         </p:txBody>
       </p:sp>
@@ -5874,10 +5846,9 @@
           <a:p>
             <a:pPr algn="ctr"/>
             <a:r>
-              <a:rPr lang="en-US" sz="2400" dirty="0" smtClean="0"/>
-              <a:t>(        ,  __  )</a:t>
+              <a:rPr lang="en-US" sz="2400" dirty="0"/>
+              <a:t>(        ,  4  )</a:t>
             </a:r>
-            <a:endParaRPr lang="en-US" sz="2400" dirty="0"/>
           </a:p>
         </p:txBody>
       </p:sp>
@@ -5905,10 +5876,9 @@
           <a:p>
             <a:pPr algn="ctr"/>
             <a:r>
-              <a:rPr lang="en-US" sz="2400" dirty="0" smtClean="0"/>
-              <a:t>(        ,  __  )</a:t>
+              <a:rPr lang="en-US" sz="2400" dirty="0"/>
+              <a:t>(        ,  5  )</a:t>
             </a:r>
-            <a:endParaRPr lang="en-US" sz="2400" dirty="0"/>
           </a:p>
         </p:txBody>
       </p:sp>
@@ -5936,10 +5906,17 @@
           <a:p>
             <a:pPr algn="ctr"/>
             <a:r>
-              <a:rPr lang="en-US" sz="2400" dirty="0" smtClean="0"/>
-              <a:t>(        ,  __  )</a:t>
+              <a:rPr lang="en-US" sz="2400" dirty="0"/>
+              <a:t>(        </a:t>
             </a:r>
-            <a:endParaRPr lang="en-US" sz="2400" dirty="0"/>
+            <a:r>
+              <a:rPr lang="en-US" sz="2400"/>
+              <a:t>,  4  </a:t>
+            </a:r>
+            <a:r>
+              <a:rPr lang="en-US" sz="2400" dirty="0"/>
+              <a:t>)</a:t>
+            </a:r>
           </a:p>
         </p:txBody>
       </p:sp>
@@ -5967,10 +5944,3245 @@
           <a:p>
             <a:pPr algn="ctr"/>
             <a:r>
-              <a:rPr lang="en-US" sz="2400" dirty="0" smtClean="0"/>
-              <a:t>(        ,  __  )</a:t>
+              <a:rPr lang="en-US" sz="2400" dirty="0"/>
+              <a:t>(        </a:t>
             </a:r>
-            <a:endParaRPr lang="en-US" sz="2400" dirty="0"/>
+            <a:r>
+              <a:rPr lang="en-US" sz="2400"/>
+              <a:t>,  3  </a:t>
+            </a:r>
+            <a:r>
+              <a:rPr lang="en-US" sz="2400" dirty="0"/>
+              <a:t>)</a:t>
+            </a:r>
+          </a:p>
+        </p:txBody>
+      </p:sp>
+      <p:sp>
+        <p:nvSpPr>
+          <p:cNvPr id="2" name="Heart 1">
+            <a:extLst>
+              <a:ext uri="{FF2B5EF4-FFF2-40B4-BE49-F238E27FC236}">
+                <a16:creationId xmlns:a16="http://schemas.microsoft.com/office/drawing/2014/main" id="{CD195330-903F-4127-BA08-BBB4D2E87878}"/>
+              </a:ext>
+            </a:extLst>
+          </p:cNvPr>
+          <p:cNvSpPr/>
+          <p:nvPr/>
+        </p:nvSpPr>
+        <p:spPr>
+          <a:xfrm>
+            <a:off x="2156045" y="4329845"/>
+            <a:ext cx="505252" cy="463800"/>
+          </a:xfrm>
+          <a:prstGeom prst="heart">
+            <a:avLst/>
+          </a:prstGeom>
+          <a:solidFill>
+            <a:srgbClr val="008000"/>
+          </a:solidFill>
+          <a:ln>
+            <a:solidFill>
+              <a:srgbClr val="000000"/>
+            </a:solidFill>
+          </a:ln>
+        </p:spPr>
+        <p:style>
+          <a:lnRef idx="1">
+            <a:schemeClr val="accent1"/>
+          </a:lnRef>
+          <a:fillRef idx="3">
+            <a:schemeClr val="accent1"/>
+          </a:fillRef>
+          <a:effectRef idx="2">
+            <a:schemeClr val="accent1"/>
+          </a:effectRef>
+          <a:fontRef idx="minor">
+            <a:schemeClr val="lt1"/>
+          </a:fontRef>
+        </p:style>
+        <p:txBody>
+          <a:bodyPr rtlCol="0" anchor="ctr"/>
+          <a:lstStyle/>
+          <a:p>
+            <a:pPr algn="ctr"/>
+            <a:endParaRPr lang="en-US"/>
+          </a:p>
+        </p:txBody>
+      </p:sp>
+      <p:sp>
+        <p:nvSpPr>
+          <p:cNvPr id="3" name="Rectangle 2">
+            <a:extLst>
+              <a:ext uri="{FF2B5EF4-FFF2-40B4-BE49-F238E27FC236}">
+                <a16:creationId xmlns:a16="http://schemas.microsoft.com/office/drawing/2014/main" id="{D0F5DD62-B755-4199-B26C-9DD7C0907B63}"/>
+              </a:ext>
+            </a:extLst>
+          </p:cNvPr>
+          <p:cNvSpPr/>
+          <p:nvPr/>
+        </p:nvSpPr>
+        <p:spPr>
+          <a:xfrm>
+            <a:off x="2792245" y="4343045"/>
+            <a:ext cx="430933" cy="450600"/>
+          </a:xfrm>
+          <a:prstGeom prst="rect">
+            <a:avLst/>
+          </a:prstGeom>
+          <a:solidFill>
+            <a:srgbClr val="800000"/>
+          </a:solidFill>
+          <a:ln>
+            <a:solidFill>
+              <a:srgbClr val="000000"/>
+            </a:solidFill>
+          </a:ln>
+        </p:spPr>
+        <p:style>
+          <a:lnRef idx="1">
+            <a:schemeClr val="accent1"/>
+          </a:lnRef>
+          <a:fillRef idx="3">
+            <a:schemeClr val="accent1"/>
+          </a:fillRef>
+          <a:effectRef idx="2">
+            <a:schemeClr val="accent1"/>
+          </a:effectRef>
+          <a:fontRef idx="minor">
+            <a:schemeClr val="lt1"/>
+          </a:fontRef>
+        </p:style>
+        <p:txBody>
+          <a:bodyPr rtlCol="0" anchor="ctr"/>
+          <a:lstStyle/>
+          <a:p>
+            <a:pPr algn="ctr"/>
+            <a:endParaRPr lang="en-US"/>
+          </a:p>
+        </p:txBody>
+      </p:sp>
+      <p:sp>
+        <p:nvSpPr>
+          <p:cNvPr id="4" name="Oval 3">
+            <a:extLst>
+              <a:ext uri="{FF2B5EF4-FFF2-40B4-BE49-F238E27FC236}">
+                <a16:creationId xmlns:a16="http://schemas.microsoft.com/office/drawing/2014/main" id="{CC2D936B-63EB-4D5A-8D52-9019CBFB845C}"/>
+              </a:ext>
+            </a:extLst>
+          </p:cNvPr>
+          <p:cNvSpPr/>
+          <p:nvPr/>
+        </p:nvSpPr>
+        <p:spPr>
+          <a:xfrm>
+            <a:off x="3452374" y="4329845"/>
+            <a:ext cx="505252" cy="491107"/>
+          </a:xfrm>
+          <a:prstGeom prst="ellipse">
+            <a:avLst/>
+          </a:prstGeom>
+          <a:solidFill>
+            <a:srgbClr val="0000FF"/>
+          </a:solidFill>
+          <a:ln>
+            <a:solidFill>
+              <a:schemeClr val="tx1"/>
+            </a:solidFill>
+          </a:ln>
+        </p:spPr>
+        <p:style>
+          <a:lnRef idx="1">
+            <a:schemeClr val="accent1"/>
+          </a:lnRef>
+          <a:fillRef idx="3">
+            <a:schemeClr val="accent1"/>
+          </a:fillRef>
+          <a:effectRef idx="2">
+            <a:schemeClr val="accent1"/>
+          </a:effectRef>
+          <a:fontRef idx="minor">
+            <a:schemeClr val="lt1"/>
+          </a:fontRef>
+        </p:style>
+        <p:txBody>
+          <a:bodyPr rtlCol="0" anchor="ctr"/>
+          <a:lstStyle/>
+          <a:p>
+            <a:pPr algn="ctr"/>
+            <a:endParaRPr lang="en-US"/>
+          </a:p>
+        </p:txBody>
+      </p:sp>
+      <p:sp>
+        <p:nvSpPr>
+          <p:cNvPr id="5" name="Isosceles Triangle 4">
+            <a:extLst>
+              <a:ext uri="{FF2B5EF4-FFF2-40B4-BE49-F238E27FC236}">
+                <a16:creationId xmlns:a16="http://schemas.microsoft.com/office/drawing/2014/main" id="{844716F9-F61B-4993-97A5-2AF419B7AB84}"/>
+              </a:ext>
+            </a:extLst>
+          </p:cNvPr>
+          <p:cNvSpPr/>
+          <p:nvPr/>
+        </p:nvSpPr>
+        <p:spPr>
+          <a:xfrm>
+            <a:off x="2156388" y="4902240"/>
+            <a:ext cx="559872" cy="409181"/>
+          </a:xfrm>
+          <a:prstGeom prst="triangle">
+            <a:avLst/>
+          </a:prstGeom>
+          <a:solidFill>
+            <a:schemeClr val="accent6">
+              <a:lumMod val="75000"/>
+            </a:schemeClr>
+          </a:solidFill>
+          <a:ln>
+            <a:solidFill>
+              <a:srgbClr val="000000"/>
+            </a:solidFill>
+          </a:ln>
+        </p:spPr>
+        <p:style>
+          <a:lnRef idx="1">
+            <a:schemeClr val="accent1"/>
+          </a:lnRef>
+          <a:fillRef idx="3">
+            <a:schemeClr val="accent1"/>
+          </a:fillRef>
+          <a:effectRef idx="2">
+            <a:schemeClr val="accent1"/>
+          </a:effectRef>
+          <a:fontRef idx="minor">
+            <a:schemeClr val="lt1"/>
+          </a:fontRef>
+        </p:style>
+        <p:txBody>
+          <a:bodyPr rtlCol="0" anchor="ctr"/>
+          <a:lstStyle/>
+          <a:p>
+            <a:pPr algn="ctr"/>
+            <a:endParaRPr lang="en-US"/>
+          </a:p>
+        </p:txBody>
+      </p:sp>
+      <p:sp>
+        <p:nvSpPr>
+          <p:cNvPr id="6" name="Oval 5">
+            <a:extLst>
+              <a:ext uri="{FF2B5EF4-FFF2-40B4-BE49-F238E27FC236}">
+                <a16:creationId xmlns:a16="http://schemas.microsoft.com/office/drawing/2014/main" id="{246A7599-3AD0-4A59-9E14-727B48C84F71}"/>
+              </a:ext>
+            </a:extLst>
+          </p:cNvPr>
+          <p:cNvSpPr/>
+          <p:nvPr/>
+        </p:nvSpPr>
+        <p:spPr>
+          <a:xfrm>
+            <a:off x="2772504" y="4837387"/>
+            <a:ext cx="505252" cy="491107"/>
+          </a:xfrm>
+          <a:prstGeom prst="ellipse">
+            <a:avLst/>
+          </a:prstGeom>
+          <a:solidFill>
+            <a:srgbClr val="0000FF"/>
+          </a:solidFill>
+          <a:ln>
+            <a:solidFill>
+              <a:schemeClr val="tx1"/>
+            </a:solidFill>
+          </a:ln>
+        </p:spPr>
+        <p:style>
+          <a:lnRef idx="1">
+            <a:schemeClr val="accent1"/>
+          </a:lnRef>
+          <a:fillRef idx="3">
+            <a:schemeClr val="accent1"/>
+          </a:fillRef>
+          <a:effectRef idx="2">
+            <a:schemeClr val="accent1"/>
+          </a:effectRef>
+          <a:fontRef idx="minor">
+            <a:schemeClr val="lt1"/>
+          </a:fontRef>
+        </p:style>
+        <p:txBody>
+          <a:bodyPr rtlCol="0" anchor="ctr"/>
+          <a:lstStyle/>
+          <a:p>
+            <a:pPr algn="ctr"/>
+            <a:endParaRPr lang="en-US"/>
+          </a:p>
+        </p:txBody>
+      </p:sp>
+      <p:sp>
+        <p:nvSpPr>
+          <p:cNvPr id="8" name="Heart 7">
+            <a:extLst>
+              <a:ext uri="{FF2B5EF4-FFF2-40B4-BE49-F238E27FC236}">
+                <a16:creationId xmlns:a16="http://schemas.microsoft.com/office/drawing/2014/main" id="{07A01944-3267-4775-84FF-DCC9CC1B486D}"/>
+              </a:ext>
+            </a:extLst>
+          </p:cNvPr>
+          <p:cNvSpPr/>
+          <p:nvPr/>
+        </p:nvSpPr>
+        <p:spPr>
+          <a:xfrm>
+            <a:off x="3476705" y="4897121"/>
+            <a:ext cx="505252" cy="463800"/>
+          </a:xfrm>
+          <a:prstGeom prst="heart">
+            <a:avLst/>
+          </a:prstGeom>
+          <a:solidFill>
+            <a:srgbClr val="008000"/>
+          </a:solidFill>
+          <a:ln>
+            <a:solidFill>
+              <a:srgbClr val="000000"/>
+            </a:solidFill>
+          </a:ln>
+        </p:spPr>
+        <p:style>
+          <a:lnRef idx="1">
+            <a:schemeClr val="accent1"/>
+          </a:lnRef>
+          <a:fillRef idx="3">
+            <a:schemeClr val="accent1"/>
+          </a:fillRef>
+          <a:effectRef idx="2">
+            <a:schemeClr val="accent1"/>
+          </a:effectRef>
+          <a:fontRef idx="minor">
+            <a:schemeClr val="lt1"/>
+          </a:fontRef>
+        </p:style>
+        <p:txBody>
+          <a:bodyPr rtlCol="0" anchor="ctr"/>
+          <a:lstStyle/>
+          <a:p>
+            <a:pPr algn="ctr"/>
+            <a:endParaRPr lang="en-US"/>
+          </a:p>
+        </p:txBody>
+      </p:sp>
+      <p:sp>
+        <p:nvSpPr>
+          <p:cNvPr id="12" name="Rectangle 11">
+            <a:extLst>
+              <a:ext uri="{FF2B5EF4-FFF2-40B4-BE49-F238E27FC236}">
+                <a16:creationId xmlns:a16="http://schemas.microsoft.com/office/drawing/2014/main" id="{18B2BE6C-39F5-4C47-A6CC-1BBD0B1E20CB}"/>
+              </a:ext>
+            </a:extLst>
+          </p:cNvPr>
+          <p:cNvSpPr/>
+          <p:nvPr/>
+        </p:nvSpPr>
+        <p:spPr>
+          <a:xfrm>
+            <a:off x="2123471" y="2929430"/>
+            <a:ext cx="430933" cy="450600"/>
+          </a:xfrm>
+          <a:prstGeom prst="rect">
+            <a:avLst/>
+          </a:prstGeom>
+          <a:solidFill>
+            <a:srgbClr val="800000"/>
+          </a:solidFill>
+          <a:ln>
+            <a:solidFill>
+              <a:srgbClr val="000000"/>
+            </a:solidFill>
+          </a:ln>
+        </p:spPr>
+        <p:style>
+          <a:lnRef idx="1">
+            <a:schemeClr val="accent1"/>
+          </a:lnRef>
+          <a:fillRef idx="3">
+            <a:schemeClr val="accent1"/>
+          </a:fillRef>
+          <a:effectRef idx="2">
+            <a:schemeClr val="accent1"/>
+          </a:effectRef>
+          <a:fontRef idx="minor">
+            <a:schemeClr val="lt1"/>
+          </a:fontRef>
+        </p:style>
+        <p:txBody>
+          <a:bodyPr rtlCol="0" anchor="ctr"/>
+          <a:lstStyle/>
+          <a:p>
+            <a:pPr algn="ctr"/>
+            <a:endParaRPr lang="en-US"/>
+          </a:p>
+        </p:txBody>
+      </p:sp>
+      <p:sp>
+        <p:nvSpPr>
+          <p:cNvPr id="23" name="Oval 22">
+            <a:extLst>
+              <a:ext uri="{FF2B5EF4-FFF2-40B4-BE49-F238E27FC236}">
+                <a16:creationId xmlns:a16="http://schemas.microsoft.com/office/drawing/2014/main" id="{109B19D2-DADB-4DBA-86EE-F23995839B15}"/>
+              </a:ext>
+            </a:extLst>
+          </p:cNvPr>
+          <p:cNvSpPr/>
+          <p:nvPr/>
+        </p:nvSpPr>
+        <p:spPr>
+          <a:xfrm>
+            <a:off x="2781094" y="2942938"/>
+            <a:ext cx="505252" cy="491107"/>
+          </a:xfrm>
+          <a:prstGeom prst="ellipse">
+            <a:avLst/>
+          </a:prstGeom>
+          <a:solidFill>
+            <a:srgbClr val="0000FF"/>
+          </a:solidFill>
+          <a:ln>
+            <a:solidFill>
+              <a:schemeClr val="tx1"/>
+            </a:solidFill>
+          </a:ln>
+        </p:spPr>
+        <p:style>
+          <a:lnRef idx="1">
+            <a:schemeClr val="accent1"/>
+          </a:lnRef>
+          <a:fillRef idx="3">
+            <a:schemeClr val="accent1"/>
+          </a:fillRef>
+          <a:effectRef idx="2">
+            <a:schemeClr val="accent1"/>
+          </a:effectRef>
+          <a:fontRef idx="minor">
+            <a:schemeClr val="lt1"/>
+          </a:fontRef>
+        </p:style>
+        <p:txBody>
+          <a:bodyPr rtlCol="0" anchor="ctr"/>
+          <a:lstStyle/>
+          <a:p>
+            <a:pPr algn="ctr"/>
+            <a:endParaRPr lang="en-US"/>
+          </a:p>
+        </p:txBody>
+      </p:sp>
+      <p:sp>
+        <p:nvSpPr>
+          <p:cNvPr id="30" name="Rectangle 29">
+            <a:extLst>
+              <a:ext uri="{FF2B5EF4-FFF2-40B4-BE49-F238E27FC236}">
+                <a16:creationId xmlns:a16="http://schemas.microsoft.com/office/drawing/2014/main" id="{BDD79D19-B678-42B5-A9C4-5AD733A4D612}"/>
+              </a:ext>
+            </a:extLst>
+          </p:cNvPr>
+          <p:cNvSpPr/>
+          <p:nvPr/>
+        </p:nvSpPr>
+        <p:spPr>
+          <a:xfrm>
+            <a:off x="3513037" y="2942938"/>
+            <a:ext cx="430933" cy="450600"/>
+          </a:xfrm>
+          <a:prstGeom prst="rect">
+            <a:avLst/>
+          </a:prstGeom>
+          <a:solidFill>
+            <a:srgbClr val="800000"/>
+          </a:solidFill>
+          <a:ln>
+            <a:solidFill>
+              <a:srgbClr val="000000"/>
+            </a:solidFill>
+          </a:ln>
+        </p:spPr>
+        <p:style>
+          <a:lnRef idx="1">
+            <a:schemeClr val="accent1"/>
+          </a:lnRef>
+          <a:fillRef idx="3">
+            <a:schemeClr val="accent1"/>
+          </a:fillRef>
+          <a:effectRef idx="2">
+            <a:schemeClr val="accent1"/>
+          </a:effectRef>
+          <a:fontRef idx="minor">
+            <a:schemeClr val="lt1"/>
+          </a:fontRef>
+        </p:style>
+        <p:txBody>
+          <a:bodyPr rtlCol="0" anchor="ctr"/>
+          <a:lstStyle/>
+          <a:p>
+            <a:pPr algn="ctr"/>
+            <a:endParaRPr lang="en-US"/>
+          </a:p>
+        </p:txBody>
+      </p:sp>
+      <p:sp>
+        <p:nvSpPr>
+          <p:cNvPr id="31" name="Oval 30">
+            <a:extLst>
+              <a:ext uri="{FF2B5EF4-FFF2-40B4-BE49-F238E27FC236}">
+                <a16:creationId xmlns:a16="http://schemas.microsoft.com/office/drawing/2014/main" id="{F1B65470-439D-446D-B3D3-01C5801BA2A4}"/>
+              </a:ext>
+            </a:extLst>
+          </p:cNvPr>
+          <p:cNvSpPr/>
+          <p:nvPr/>
+        </p:nvSpPr>
+        <p:spPr>
+          <a:xfrm>
+            <a:off x="2117801" y="3487371"/>
+            <a:ext cx="505252" cy="491107"/>
+          </a:xfrm>
+          <a:prstGeom prst="ellipse">
+            <a:avLst/>
+          </a:prstGeom>
+          <a:solidFill>
+            <a:srgbClr val="0000FF"/>
+          </a:solidFill>
+          <a:ln>
+            <a:solidFill>
+              <a:schemeClr val="tx1"/>
+            </a:solidFill>
+          </a:ln>
+        </p:spPr>
+        <p:style>
+          <a:lnRef idx="1">
+            <a:schemeClr val="accent1"/>
+          </a:lnRef>
+          <a:fillRef idx="3">
+            <a:schemeClr val="accent1"/>
+          </a:fillRef>
+          <a:effectRef idx="2">
+            <a:schemeClr val="accent1"/>
+          </a:effectRef>
+          <a:fontRef idx="minor">
+            <a:schemeClr val="lt1"/>
+          </a:fontRef>
+        </p:style>
+        <p:txBody>
+          <a:bodyPr rtlCol="0" anchor="ctr"/>
+          <a:lstStyle/>
+          <a:p>
+            <a:pPr algn="ctr"/>
+            <a:endParaRPr lang="en-US"/>
+          </a:p>
+        </p:txBody>
+      </p:sp>
+      <p:sp>
+        <p:nvSpPr>
+          <p:cNvPr id="35" name="Rectangle 34">
+            <a:extLst>
+              <a:ext uri="{FF2B5EF4-FFF2-40B4-BE49-F238E27FC236}">
+                <a16:creationId xmlns:a16="http://schemas.microsoft.com/office/drawing/2014/main" id="{D8F3922C-1F0B-4012-ADF8-C265C8B94A54}"/>
+              </a:ext>
+            </a:extLst>
+          </p:cNvPr>
+          <p:cNvSpPr/>
+          <p:nvPr/>
+        </p:nvSpPr>
+        <p:spPr>
+          <a:xfrm>
+            <a:off x="2826573" y="3520883"/>
+            <a:ext cx="430933" cy="450600"/>
+          </a:xfrm>
+          <a:prstGeom prst="rect">
+            <a:avLst/>
+          </a:prstGeom>
+          <a:solidFill>
+            <a:srgbClr val="800000"/>
+          </a:solidFill>
+          <a:ln>
+            <a:solidFill>
+              <a:srgbClr val="000000"/>
+            </a:solidFill>
+          </a:ln>
+        </p:spPr>
+        <p:style>
+          <a:lnRef idx="1">
+            <a:schemeClr val="accent1"/>
+          </a:lnRef>
+          <a:fillRef idx="3">
+            <a:schemeClr val="accent1"/>
+          </a:fillRef>
+          <a:effectRef idx="2">
+            <a:schemeClr val="accent1"/>
+          </a:effectRef>
+          <a:fontRef idx="minor">
+            <a:schemeClr val="lt1"/>
+          </a:fontRef>
+        </p:style>
+        <p:txBody>
+          <a:bodyPr rtlCol="0" anchor="ctr"/>
+          <a:lstStyle/>
+          <a:p>
+            <a:pPr algn="ctr"/>
+            <a:endParaRPr lang="en-US"/>
+          </a:p>
+        </p:txBody>
+      </p:sp>
+      <p:sp>
+        <p:nvSpPr>
+          <p:cNvPr id="37" name="Isosceles Triangle 36">
+            <a:extLst>
+              <a:ext uri="{FF2B5EF4-FFF2-40B4-BE49-F238E27FC236}">
+                <a16:creationId xmlns:a16="http://schemas.microsoft.com/office/drawing/2014/main" id="{D8C893D1-260C-4237-93F3-7363D3D44B1A}"/>
+              </a:ext>
+            </a:extLst>
+          </p:cNvPr>
+          <p:cNvSpPr/>
+          <p:nvPr/>
+        </p:nvSpPr>
+        <p:spPr>
+          <a:xfrm>
+            <a:off x="3420668" y="3526621"/>
+            <a:ext cx="559872" cy="409181"/>
+          </a:xfrm>
+          <a:prstGeom prst="triangle">
+            <a:avLst/>
+          </a:prstGeom>
+          <a:solidFill>
+            <a:schemeClr val="accent6">
+              <a:lumMod val="75000"/>
+            </a:schemeClr>
+          </a:solidFill>
+          <a:ln>
+            <a:solidFill>
+              <a:srgbClr val="000000"/>
+            </a:solidFill>
+          </a:ln>
+        </p:spPr>
+        <p:style>
+          <a:lnRef idx="1">
+            <a:schemeClr val="accent1"/>
+          </a:lnRef>
+          <a:fillRef idx="3">
+            <a:schemeClr val="accent1"/>
+          </a:fillRef>
+          <a:effectRef idx="2">
+            <a:schemeClr val="accent1"/>
+          </a:effectRef>
+          <a:fontRef idx="minor">
+            <a:schemeClr val="lt1"/>
+          </a:fontRef>
+        </p:style>
+        <p:txBody>
+          <a:bodyPr rtlCol="0" anchor="ctr"/>
+          <a:lstStyle/>
+          <a:p>
+            <a:pPr algn="ctr"/>
+            <a:endParaRPr lang="en-US"/>
+          </a:p>
+        </p:txBody>
+      </p:sp>
+      <p:sp>
+        <p:nvSpPr>
+          <p:cNvPr id="38" name="Rectangle 37">
+            <a:extLst>
+              <a:ext uri="{FF2B5EF4-FFF2-40B4-BE49-F238E27FC236}">
+                <a16:creationId xmlns:a16="http://schemas.microsoft.com/office/drawing/2014/main" id="{7FA896B4-8CEA-418F-AD39-F32549C08FDB}"/>
+              </a:ext>
+            </a:extLst>
+          </p:cNvPr>
+          <p:cNvSpPr/>
+          <p:nvPr/>
+        </p:nvSpPr>
+        <p:spPr>
+          <a:xfrm>
+            <a:off x="2175870" y="1615870"/>
+            <a:ext cx="430933" cy="450600"/>
+          </a:xfrm>
+          <a:prstGeom prst="rect">
+            <a:avLst/>
+          </a:prstGeom>
+          <a:solidFill>
+            <a:srgbClr val="800000"/>
+          </a:solidFill>
+          <a:ln>
+            <a:solidFill>
+              <a:srgbClr val="000000"/>
+            </a:solidFill>
+          </a:ln>
+        </p:spPr>
+        <p:style>
+          <a:lnRef idx="1">
+            <a:schemeClr val="accent1"/>
+          </a:lnRef>
+          <a:fillRef idx="3">
+            <a:schemeClr val="accent1"/>
+          </a:fillRef>
+          <a:effectRef idx="2">
+            <a:schemeClr val="accent1"/>
+          </a:effectRef>
+          <a:fontRef idx="minor">
+            <a:schemeClr val="lt1"/>
+          </a:fontRef>
+        </p:style>
+        <p:txBody>
+          <a:bodyPr rtlCol="0" anchor="ctr"/>
+          <a:lstStyle/>
+          <a:p>
+            <a:pPr algn="ctr"/>
+            <a:endParaRPr lang="en-US"/>
+          </a:p>
+        </p:txBody>
+      </p:sp>
+      <p:pic>
+        <p:nvPicPr>
+          <p:cNvPr id="47" name="Picture 46">
+            <a:extLst>
+              <a:ext uri="{FF2B5EF4-FFF2-40B4-BE49-F238E27FC236}">
+                <a16:creationId xmlns:a16="http://schemas.microsoft.com/office/drawing/2014/main" id="{4D9BDED0-3A9D-4029-9D64-507E6CC79B23}"/>
+              </a:ext>
+            </a:extLst>
+          </p:cNvPr>
+          <p:cNvPicPr>
+            <a:picLocks noChangeAspect="1"/>
+          </p:cNvPicPr>
+          <p:nvPr/>
+        </p:nvPicPr>
+        <p:blipFill>
+          <a:blip r:embed="rId3"/>
+          <a:stretch>
+            <a:fillRect/>
+          </a:stretch>
+        </p:blipFill>
+        <p:spPr>
+          <a:xfrm>
+            <a:off x="2728686" y="1552010"/>
+            <a:ext cx="534702" cy="508632"/>
+          </a:xfrm>
+          <a:prstGeom prst="rect">
+            <a:avLst/>
+          </a:prstGeom>
+        </p:spPr>
+      </p:pic>
+      <p:sp>
+        <p:nvSpPr>
+          <p:cNvPr id="48" name="Rectangle 47">
+            <a:extLst>
+              <a:ext uri="{FF2B5EF4-FFF2-40B4-BE49-F238E27FC236}">
+                <a16:creationId xmlns:a16="http://schemas.microsoft.com/office/drawing/2014/main" id="{572F0BEC-0A8A-4F24-8DF9-520DA4B91102}"/>
+              </a:ext>
+            </a:extLst>
+          </p:cNvPr>
+          <p:cNvSpPr/>
+          <p:nvPr/>
+        </p:nvSpPr>
+        <p:spPr>
+          <a:xfrm>
+            <a:off x="3533347" y="1599981"/>
+            <a:ext cx="430933" cy="450600"/>
+          </a:xfrm>
+          <a:prstGeom prst="rect">
+            <a:avLst/>
+          </a:prstGeom>
+          <a:solidFill>
+            <a:srgbClr val="800000"/>
+          </a:solidFill>
+          <a:ln>
+            <a:solidFill>
+              <a:srgbClr val="000000"/>
+            </a:solidFill>
+          </a:ln>
+        </p:spPr>
+        <p:style>
+          <a:lnRef idx="1">
+            <a:schemeClr val="accent1"/>
+          </a:lnRef>
+          <a:fillRef idx="3">
+            <a:schemeClr val="accent1"/>
+          </a:fillRef>
+          <a:effectRef idx="2">
+            <a:schemeClr val="accent1"/>
+          </a:effectRef>
+          <a:fontRef idx="minor">
+            <a:schemeClr val="lt1"/>
+          </a:fontRef>
+        </p:style>
+        <p:txBody>
+          <a:bodyPr rtlCol="0" anchor="ctr"/>
+          <a:lstStyle/>
+          <a:p>
+            <a:pPr algn="ctr"/>
+            <a:endParaRPr lang="en-US"/>
+          </a:p>
+        </p:txBody>
+      </p:sp>
+      <p:pic>
+        <p:nvPicPr>
+          <p:cNvPr id="49" name="Picture 48">
+            <a:extLst>
+              <a:ext uri="{FF2B5EF4-FFF2-40B4-BE49-F238E27FC236}">
+                <a16:creationId xmlns:a16="http://schemas.microsoft.com/office/drawing/2014/main" id="{783A5994-4DE0-44D1-B196-348678611CA2}"/>
+              </a:ext>
+            </a:extLst>
+          </p:cNvPr>
+          <p:cNvPicPr>
+            <a:picLocks noChangeAspect="1"/>
+          </p:cNvPicPr>
+          <p:nvPr/>
+        </p:nvPicPr>
+        <p:blipFill>
+          <a:blip r:embed="rId3"/>
+          <a:stretch>
+            <a:fillRect/>
+          </a:stretch>
+        </p:blipFill>
+        <p:spPr>
+          <a:xfrm>
+            <a:off x="2123985" y="2149954"/>
+            <a:ext cx="534702" cy="508632"/>
+          </a:xfrm>
+          <a:prstGeom prst="rect">
+            <a:avLst/>
+          </a:prstGeom>
+        </p:spPr>
+      </p:pic>
+      <p:sp>
+        <p:nvSpPr>
+          <p:cNvPr id="50" name="Oval 49">
+            <a:extLst>
+              <a:ext uri="{FF2B5EF4-FFF2-40B4-BE49-F238E27FC236}">
+                <a16:creationId xmlns:a16="http://schemas.microsoft.com/office/drawing/2014/main" id="{D8BFE7F1-6737-43CC-B99C-3132D8F2E571}"/>
+              </a:ext>
+            </a:extLst>
+          </p:cNvPr>
+          <p:cNvSpPr/>
+          <p:nvPr/>
+        </p:nvSpPr>
+        <p:spPr>
+          <a:xfrm>
+            <a:off x="2772935" y="2179799"/>
+            <a:ext cx="505252" cy="491107"/>
+          </a:xfrm>
+          <a:prstGeom prst="ellipse">
+            <a:avLst/>
+          </a:prstGeom>
+          <a:solidFill>
+            <a:srgbClr val="0000FF"/>
+          </a:solidFill>
+          <a:ln>
+            <a:solidFill>
+              <a:schemeClr val="tx1"/>
+            </a:solidFill>
+          </a:ln>
+        </p:spPr>
+        <p:style>
+          <a:lnRef idx="1">
+            <a:schemeClr val="accent1"/>
+          </a:lnRef>
+          <a:fillRef idx="3">
+            <a:schemeClr val="accent1"/>
+          </a:fillRef>
+          <a:effectRef idx="2">
+            <a:schemeClr val="accent1"/>
+          </a:effectRef>
+          <a:fontRef idx="minor">
+            <a:schemeClr val="lt1"/>
+          </a:fontRef>
+        </p:style>
+        <p:txBody>
+          <a:bodyPr rtlCol="0" anchor="ctr"/>
+          <a:lstStyle/>
+          <a:p>
+            <a:pPr algn="ctr"/>
+            <a:endParaRPr lang="en-US"/>
+          </a:p>
+        </p:txBody>
+      </p:sp>
+      <p:sp>
+        <p:nvSpPr>
+          <p:cNvPr id="51" name="Heart 50">
+            <a:extLst>
+              <a:ext uri="{FF2B5EF4-FFF2-40B4-BE49-F238E27FC236}">
+                <a16:creationId xmlns:a16="http://schemas.microsoft.com/office/drawing/2014/main" id="{7296DAEE-9588-4615-B1CD-F4D24BA3D86F}"/>
+              </a:ext>
+            </a:extLst>
+          </p:cNvPr>
+          <p:cNvSpPr/>
+          <p:nvPr/>
+        </p:nvSpPr>
+        <p:spPr>
+          <a:xfrm>
+            <a:off x="3475288" y="2174868"/>
+            <a:ext cx="505252" cy="463800"/>
+          </a:xfrm>
+          <a:prstGeom prst="heart">
+            <a:avLst/>
+          </a:prstGeom>
+          <a:solidFill>
+            <a:srgbClr val="008000"/>
+          </a:solidFill>
+          <a:ln>
+            <a:solidFill>
+              <a:srgbClr val="000000"/>
+            </a:solidFill>
+          </a:ln>
+        </p:spPr>
+        <p:style>
+          <a:lnRef idx="1">
+            <a:schemeClr val="accent1"/>
+          </a:lnRef>
+          <a:fillRef idx="3">
+            <a:schemeClr val="accent1"/>
+          </a:fillRef>
+          <a:effectRef idx="2">
+            <a:schemeClr val="accent1"/>
+          </a:effectRef>
+          <a:fontRef idx="minor">
+            <a:schemeClr val="lt1"/>
+          </a:fontRef>
+        </p:style>
+        <p:txBody>
+          <a:bodyPr rtlCol="0" anchor="ctr"/>
+          <a:lstStyle/>
+          <a:p>
+            <a:pPr algn="ctr"/>
+            <a:endParaRPr lang="en-US"/>
+          </a:p>
+        </p:txBody>
+      </p:sp>
+      <p:sp>
+        <p:nvSpPr>
+          <p:cNvPr id="63" name="Rectangle 62">
+            <a:extLst>
+              <a:ext uri="{FF2B5EF4-FFF2-40B4-BE49-F238E27FC236}">
+                <a16:creationId xmlns:a16="http://schemas.microsoft.com/office/drawing/2014/main" id="{6673BA30-607E-4208-ABC8-DA24E7212B5A}"/>
+              </a:ext>
+            </a:extLst>
+          </p:cNvPr>
+          <p:cNvSpPr/>
+          <p:nvPr/>
+        </p:nvSpPr>
+        <p:spPr>
+          <a:xfrm>
+            <a:off x="4472426" y="1228277"/>
+            <a:ext cx="217561" cy="225300"/>
+          </a:xfrm>
+          <a:prstGeom prst="rect">
+            <a:avLst/>
+          </a:prstGeom>
+          <a:solidFill>
+            <a:srgbClr val="800000"/>
+          </a:solidFill>
+          <a:ln>
+            <a:solidFill>
+              <a:srgbClr val="000000"/>
+            </a:solidFill>
+          </a:ln>
+        </p:spPr>
+        <p:style>
+          <a:lnRef idx="1">
+            <a:schemeClr val="accent1"/>
+          </a:lnRef>
+          <a:fillRef idx="3">
+            <a:schemeClr val="accent1"/>
+          </a:fillRef>
+          <a:effectRef idx="2">
+            <a:schemeClr val="accent1"/>
+          </a:effectRef>
+          <a:fontRef idx="minor">
+            <a:schemeClr val="lt1"/>
+          </a:fontRef>
+        </p:style>
+        <p:txBody>
+          <a:bodyPr rtlCol="0" anchor="ctr"/>
+          <a:lstStyle/>
+          <a:p>
+            <a:pPr algn="ctr"/>
+            <a:endParaRPr lang="en-US"/>
+          </a:p>
+        </p:txBody>
+      </p:sp>
+      <p:sp>
+        <p:nvSpPr>
+          <p:cNvPr id="95" name="Rectangle 94">
+            <a:extLst>
+              <a:ext uri="{FF2B5EF4-FFF2-40B4-BE49-F238E27FC236}">
+                <a16:creationId xmlns:a16="http://schemas.microsoft.com/office/drawing/2014/main" id="{23BEB4C6-F75C-43C8-83F9-02085C420ABF}"/>
+              </a:ext>
+            </a:extLst>
+          </p:cNvPr>
+          <p:cNvSpPr/>
+          <p:nvPr/>
+        </p:nvSpPr>
+        <p:spPr>
+          <a:xfrm>
+            <a:off x="4774758" y="1228277"/>
+            <a:ext cx="217561" cy="225300"/>
+          </a:xfrm>
+          <a:prstGeom prst="rect">
+            <a:avLst/>
+          </a:prstGeom>
+          <a:solidFill>
+            <a:srgbClr val="800000"/>
+          </a:solidFill>
+          <a:ln>
+            <a:solidFill>
+              <a:srgbClr val="000000"/>
+            </a:solidFill>
+          </a:ln>
+        </p:spPr>
+        <p:style>
+          <a:lnRef idx="1">
+            <a:schemeClr val="accent1"/>
+          </a:lnRef>
+          <a:fillRef idx="3">
+            <a:schemeClr val="accent1"/>
+          </a:fillRef>
+          <a:effectRef idx="2">
+            <a:schemeClr val="accent1"/>
+          </a:effectRef>
+          <a:fontRef idx="minor">
+            <a:schemeClr val="lt1"/>
+          </a:fontRef>
+        </p:style>
+        <p:txBody>
+          <a:bodyPr rtlCol="0" anchor="ctr"/>
+          <a:lstStyle/>
+          <a:p>
+            <a:pPr algn="ctr"/>
+            <a:endParaRPr lang="en-US"/>
+          </a:p>
+        </p:txBody>
+      </p:sp>
+      <p:pic>
+        <p:nvPicPr>
+          <p:cNvPr id="97" name="Picture 96">
+            <a:extLst>
+              <a:ext uri="{FF2B5EF4-FFF2-40B4-BE49-F238E27FC236}">
+                <a16:creationId xmlns:a16="http://schemas.microsoft.com/office/drawing/2014/main" id="{7476C44F-03DA-4C8B-BE61-0BD2C6D42DD8}"/>
+              </a:ext>
+            </a:extLst>
+          </p:cNvPr>
+          <p:cNvPicPr>
+            <a:picLocks noChangeAspect="1"/>
+          </p:cNvPicPr>
+          <p:nvPr/>
+        </p:nvPicPr>
+        <p:blipFill>
+          <a:blip r:embed="rId3"/>
+          <a:stretch>
+            <a:fillRect/>
+          </a:stretch>
+        </p:blipFill>
+        <p:spPr>
+          <a:xfrm>
+            <a:off x="4469018" y="1489410"/>
+            <a:ext cx="262999" cy="250176"/>
+          </a:xfrm>
+          <a:prstGeom prst="rect">
+            <a:avLst/>
+          </a:prstGeom>
+        </p:spPr>
+      </p:pic>
+      <p:pic>
+        <p:nvPicPr>
+          <p:cNvPr id="99" name="Picture 98">
+            <a:extLst>
+              <a:ext uri="{FF2B5EF4-FFF2-40B4-BE49-F238E27FC236}">
+                <a16:creationId xmlns:a16="http://schemas.microsoft.com/office/drawing/2014/main" id="{E5F7EB47-69C5-4FD6-9B2C-D16EC89E6D6F}"/>
+              </a:ext>
+            </a:extLst>
+          </p:cNvPr>
+          <p:cNvPicPr>
+            <a:picLocks noChangeAspect="1"/>
+          </p:cNvPicPr>
+          <p:nvPr/>
+        </p:nvPicPr>
+        <p:blipFill>
+          <a:blip r:embed="rId3"/>
+          <a:stretch>
+            <a:fillRect/>
+          </a:stretch>
+        </p:blipFill>
+        <p:spPr>
+          <a:xfrm>
+            <a:off x="4779813" y="1495023"/>
+            <a:ext cx="262999" cy="250176"/>
+          </a:xfrm>
+          <a:prstGeom prst="rect">
+            <a:avLst/>
+          </a:prstGeom>
+        </p:spPr>
+      </p:pic>
+      <p:sp>
+        <p:nvSpPr>
+          <p:cNvPr id="101" name="Oval 100">
+            <a:extLst>
+              <a:ext uri="{FF2B5EF4-FFF2-40B4-BE49-F238E27FC236}">
+                <a16:creationId xmlns:a16="http://schemas.microsoft.com/office/drawing/2014/main" id="{DD315657-238D-488D-96CD-36556619584E}"/>
+              </a:ext>
+            </a:extLst>
+          </p:cNvPr>
+          <p:cNvSpPr/>
+          <p:nvPr/>
+        </p:nvSpPr>
+        <p:spPr>
+          <a:xfrm>
+            <a:off x="4449731" y="1820917"/>
+            <a:ext cx="269633" cy="250176"/>
+          </a:xfrm>
+          <a:prstGeom prst="ellipse">
+            <a:avLst/>
+          </a:prstGeom>
+          <a:solidFill>
+            <a:srgbClr val="0000FF"/>
+          </a:solidFill>
+          <a:ln>
+            <a:solidFill>
+              <a:schemeClr val="tx1"/>
+            </a:solidFill>
+          </a:ln>
+        </p:spPr>
+        <p:style>
+          <a:lnRef idx="1">
+            <a:schemeClr val="accent1"/>
+          </a:lnRef>
+          <a:fillRef idx="3">
+            <a:schemeClr val="accent1"/>
+          </a:fillRef>
+          <a:effectRef idx="2">
+            <a:schemeClr val="accent1"/>
+          </a:effectRef>
+          <a:fontRef idx="minor">
+            <a:schemeClr val="lt1"/>
+          </a:fontRef>
+        </p:style>
+        <p:txBody>
+          <a:bodyPr rtlCol="0" anchor="ctr"/>
+          <a:lstStyle/>
+          <a:p>
+            <a:pPr algn="ctr"/>
+            <a:endParaRPr lang="en-US"/>
+          </a:p>
+        </p:txBody>
+      </p:sp>
+      <p:sp>
+        <p:nvSpPr>
+          <p:cNvPr id="105" name="Heart 104">
+            <a:extLst>
+              <a:ext uri="{FF2B5EF4-FFF2-40B4-BE49-F238E27FC236}">
+                <a16:creationId xmlns:a16="http://schemas.microsoft.com/office/drawing/2014/main" id="{8DA4BD7E-7FBC-487A-93BF-0BC4261DE20C}"/>
+              </a:ext>
+            </a:extLst>
+          </p:cNvPr>
+          <p:cNvSpPr/>
+          <p:nvPr/>
+        </p:nvSpPr>
+        <p:spPr>
+          <a:xfrm>
+            <a:off x="4449731" y="2120964"/>
+            <a:ext cx="269633" cy="257915"/>
+          </a:xfrm>
+          <a:prstGeom prst="heart">
+            <a:avLst/>
+          </a:prstGeom>
+          <a:solidFill>
+            <a:srgbClr val="008000"/>
+          </a:solidFill>
+          <a:ln>
+            <a:solidFill>
+              <a:srgbClr val="000000"/>
+            </a:solidFill>
+          </a:ln>
+        </p:spPr>
+        <p:style>
+          <a:lnRef idx="1">
+            <a:schemeClr val="accent1"/>
+          </a:lnRef>
+          <a:fillRef idx="3">
+            <a:schemeClr val="accent1"/>
+          </a:fillRef>
+          <a:effectRef idx="2">
+            <a:schemeClr val="accent1"/>
+          </a:effectRef>
+          <a:fontRef idx="minor">
+            <a:schemeClr val="lt1"/>
+          </a:fontRef>
+        </p:style>
+        <p:txBody>
+          <a:bodyPr rtlCol="0" anchor="ctr"/>
+          <a:lstStyle/>
+          <a:p>
+            <a:pPr algn="ctr"/>
+            <a:endParaRPr lang="en-US"/>
+          </a:p>
+        </p:txBody>
+      </p:sp>
+      <p:sp>
+        <p:nvSpPr>
+          <p:cNvPr id="107" name="Rectangle 106">
+            <a:extLst>
+              <a:ext uri="{FF2B5EF4-FFF2-40B4-BE49-F238E27FC236}">
+                <a16:creationId xmlns:a16="http://schemas.microsoft.com/office/drawing/2014/main" id="{7EBA849C-8587-477E-8166-B36AB82532E0}"/>
+              </a:ext>
+            </a:extLst>
+          </p:cNvPr>
+          <p:cNvSpPr/>
+          <p:nvPr/>
+        </p:nvSpPr>
+        <p:spPr>
+          <a:xfrm>
+            <a:off x="5118236" y="2726832"/>
+            <a:ext cx="217561" cy="225300"/>
+          </a:xfrm>
+          <a:prstGeom prst="rect">
+            <a:avLst/>
+          </a:prstGeom>
+          <a:solidFill>
+            <a:srgbClr val="800000"/>
+          </a:solidFill>
+          <a:ln>
+            <a:solidFill>
+              <a:srgbClr val="000000"/>
+            </a:solidFill>
+          </a:ln>
+        </p:spPr>
+        <p:style>
+          <a:lnRef idx="1">
+            <a:schemeClr val="accent1"/>
+          </a:lnRef>
+          <a:fillRef idx="3">
+            <a:schemeClr val="accent1"/>
+          </a:fillRef>
+          <a:effectRef idx="2">
+            <a:schemeClr val="accent1"/>
+          </a:effectRef>
+          <a:fontRef idx="minor">
+            <a:schemeClr val="lt1"/>
+          </a:fontRef>
+        </p:style>
+        <p:txBody>
+          <a:bodyPr rtlCol="0" anchor="ctr"/>
+          <a:lstStyle/>
+          <a:p>
+            <a:pPr algn="ctr"/>
+            <a:endParaRPr lang="en-US"/>
+          </a:p>
+        </p:txBody>
+      </p:sp>
+      <p:sp>
+        <p:nvSpPr>
+          <p:cNvPr id="109" name="Rectangle 108">
+            <a:extLst>
+              <a:ext uri="{FF2B5EF4-FFF2-40B4-BE49-F238E27FC236}">
+                <a16:creationId xmlns:a16="http://schemas.microsoft.com/office/drawing/2014/main" id="{CB51BCB2-C87B-409C-95E8-5B0C36D35BC4}"/>
+              </a:ext>
+            </a:extLst>
+          </p:cNvPr>
+          <p:cNvSpPr/>
+          <p:nvPr/>
+        </p:nvSpPr>
+        <p:spPr>
+          <a:xfrm>
+            <a:off x="4787364" y="2713756"/>
+            <a:ext cx="217561" cy="225300"/>
+          </a:xfrm>
+          <a:prstGeom prst="rect">
+            <a:avLst/>
+          </a:prstGeom>
+          <a:solidFill>
+            <a:srgbClr val="800000"/>
+          </a:solidFill>
+          <a:ln>
+            <a:solidFill>
+              <a:srgbClr val="000000"/>
+            </a:solidFill>
+          </a:ln>
+        </p:spPr>
+        <p:style>
+          <a:lnRef idx="1">
+            <a:schemeClr val="accent1"/>
+          </a:lnRef>
+          <a:fillRef idx="3">
+            <a:schemeClr val="accent1"/>
+          </a:fillRef>
+          <a:effectRef idx="2">
+            <a:schemeClr val="accent1"/>
+          </a:effectRef>
+          <a:fontRef idx="minor">
+            <a:schemeClr val="lt1"/>
+          </a:fontRef>
+        </p:style>
+        <p:txBody>
+          <a:bodyPr rtlCol="0" anchor="ctr"/>
+          <a:lstStyle/>
+          <a:p>
+            <a:pPr algn="ctr"/>
+            <a:endParaRPr lang="en-US"/>
+          </a:p>
+        </p:txBody>
+      </p:sp>
+      <p:sp>
+        <p:nvSpPr>
+          <p:cNvPr id="113" name="Rectangle 112">
+            <a:extLst>
+              <a:ext uri="{FF2B5EF4-FFF2-40B4-BE49-F238E27FC236}">
+                <a16:creationId xmlns:a16="http://schemas.microsoft.com/office/drawing/2014/main" id="{350A8D89-3128-4EFA-B9A9-E86B98D0834D}"/>
+              </a:ext>
+            </a:extLst>
+          </p:cNvPr>
+          <p:cNvSpPr/>
+          <p:nvPr/>
+        </p:nvSpPr>
+        <p:spPr>
+          <a:xfrm>
+            <a:off x="4467882" y="2707744"/>
+            <a:ext cx="217561" cy="225300"/>
+          </a:xfrm>
+          <a:prstGeom prst="rect">
+            <a:avLst/>
+          </a:prstGeom>
+          <a:solidFill>
+            <a:srgbClr val="800000"/>
+          </a:solidFill>
+          <a:ln>
+            <a:solidFill>
+              <a:srgbClr val="000000"/>
+            </a:solidFill>
+          </a:ln>
+        </p:spPr>
+        <p:style>
+          <a:lnRef idx="1">
+            <a:schemeClr val="accent1"/>
+          </a:lnRef>
+          <a:fillRef idx="3">
+            <a:schemeClr val="accent1"/>
+          </a:fillRef>
+          <a:effectRef idx="2">
+            <a:schemeClr val="accent1"/>
+          </a:effectRef>
+          <a:fontRef idx="minor">
+            <a:schemeClr val="lt1"/>
+          </a:fontRef>
+        </p:style>
+        <p:txBody>
+          <a:bodyPr rtlCol="0" anchor="ctr"/>
+          <a:lstStyle/>
+          <a:p>
+            <a:pPr algn="ctr"/>
+            <a:endParaRPr lang="en-US"/>
+          </a:p>
+        </p:txBody>
+      </p:sp>
+      <p:sp>
+        <p:nvSpPr>
+          <p:cNvPr id="115" name="Oval 114">
+            <a:extLst>
+              <a:ext uri="{FF2B5EF4-FFF2-40B4-BE49-F238E27FC236}">
+                <a16:creationId xmlns:a16="http://schemas.microsoft.com/office/drawing/2014/main" id="{73410B3C-2674-4830-B358-36363571E99E}"/>
+              </a:ext>
+            </a:extLst>
+          </p:cNvPr>
+          <p:cNvSpPr/>
+          <p:nvPr/>
+        </p:nvSpPr>
+        <p:spPr>
+          <a:xfrm>
+            <a:off x="4769692" y="3014536"/>
+            <a:ext cx="269633" cy="250176"/>
+          </a:xfrm>
+          <a:prstGeom prst="ellipse">
+            <a:avLst/>
+          </a:prstGeom>
+          <a:solidFill>
+            <a:srgbClr val="0000FF"/>
+          </a:solidFill>
+          <a:ln>
+            <a:solidFill>
+              <a:schemeClr val="tx1"/>
+            </a:solidFill>
+          </a:ln>
+        </p:spPr>
+        <p:style>
+          <a:lnRef idx="1">
+            <a:schemeClr val="accent1"/>
+          </a:lnRef>
+          <a:fillRef idx="3">
+            <a:schemeClr val="accent1"/>
+          </a:fillRef>
+          <a:effectRef idx="2">
+            <a:schemeClr val="accent1"/>
+          </a:effectRef>
+          <a:fontRef idx="minor">
+            <a:schemeClr val="lt1"/>
+          </a:fontRef>
+        </p:style>
+        <p:txBody>
+          <a:bodyPr rtlCol="0" anchor="ctr"/>
+          <a:lstStyle/>
+          <a:p>
+            <a:pPr algn="ctr"/>
+            <a:endParaRPr lang="en-US"/>
+          </a:p>
+        </p:txBody>
+      </p:sp>
+      <p:sp>
+        <p:nvSpPr>
+          <p:cNvPr id="117" name="Oval 116">
+            <a:extLst>
+              <a:ext uri="{FF2B5EF4-FFF2-40B4-BE49-F238E27FC236}">
+                <a16:creationId xmlns:a16="http://schemas.microsoft.com/office/drawing/2014/main" id="{A611AF51-E777-41F7-A937-62B97C43CC2E}"/>
+              </a:ext>
+            </a:extLst>
+          </p:cNvPr>
+          <p:cNvSpPr/>
+          <p:nvPr/>
+        </p:nvSpPr>
+        <p:spPr>
+          <a:xfrm>
+            <a:off x="4437183" y="3017427"/>
+            <a:ext cx="269633" cy="250176"/>
+          </a:xfrm>
+          <a:prstGeom prst="ellipse">
+            <a:avLst/>
+          </a:prstGeom>
+          <a:solidFill>
+            <a:srgbClr val="0000FF"/>
+          </a:solidFill>
+          <a:ln>
+            <a:solidFill>
+              <a:schemeClr val="tx1"/>
+            </a:solidFill>
+          </a:ln>
+        </p:spPr>
+        <p:style>
+          <a:lnRef idx="1">
+            <a:schemeClr val="accent1"/>
+          </a:lnRef>
+          <a:fillRef idx="3">
+            <a:schemeClr val="accent1"/>
+          </a:fillRef>
+          <a:effectRef idx="2">
+            <a:schemeClr val="accent1"/>
+          </a:effectRef>
+          <a:fontRef idx="minor">
+            <a:schemeClr val="lt1"/>
+          </a:fontRef>
+        </p:style>
+        <p:txBody>
+          <a:bodyPr rtlCol="0" anchor="ctr"/>
+          <a:lstStyle/>
+          <a:p>
+            <a:pPr algn="ctr"/>
+            <a:endParaRPr lang="en-US"/>
+          </a:p>
+        </p:txBody>
+      </p:sp>
+      <p:sp>
+        <p:nvSpPr>
+          <p:cNvPr id="119" name="Isosceles Triangle 118">
+            <a:extLst>
+              <a:ext uri="{FF2B5EF4-FFF2-40B4-BE49-F238E27FC236}">
+                <a16:creationId xmlns:a16="http://schemas.microsoft.com/office/drawing/2014/main" id="{B787415E-E081-4B5E-800D-8C1E12CA99C5}"/>
+              </a:ext>
+            </a:extLst>
+          </p:cNvPr>
+          <p:cNvSpPr/>
+          <p:nvPr/>
+        </p:nvSpPr>
+        <p:spPr>
+          <a:xfrm>
+            <a:off x="4454935" y="3323288"/>
+            <a:ext cx="291163" cy="219064"/>
+          </a:xfrm>
+          <a:prstGeom prst="triangle">
+            <a:avLst/>
+          </a:prstGeom>
+          <a:solidFill>
+            <a:schemeClr val="accent6">
+              <a:lumMod val="75000"/>
+            </a:schemeClr>
+          </a:solidFill>
+          <a:ln>
+            <a:solidFill>
+              <a:srgbClr val="000000"/>
+            </a:solidFill>
+          </a:ln>
+        </p:spPr>
+        <p:style>
+          <a:lnRef idx="1">
+            <a:schemeClr val="accent1"/>
+          </a:lnRef>
+          <a:fillRef idx="3">
+            <a:schemeClr val="accent1"/>
+          </a:fillRef>
+          <a:effectRef idx="2">
+            <a:schemeClr val="accent1"/>
+          </a:effectRef>
+          <a:fontRef idx="minor">
+            <a:schemeClr val="lt1"/>
+          </a:fontRef>
+        </p:style>
+        <p:txBody>
+          <a:bodyPr rtlCol="0" anchor="ctr"/>
+          <a:lstStyle/>
+          <a:p>
+            <a:pPr algn="ctr"/>
+            <a:endParaRPr lang="en-US"/>
+          </a:p>
+        </p:txBody>
+      </p:sp>
+      <p:sp>
+        <p:nvSpPr>
+          <p:cNvPr id="121" name="Rectangle 120">
+            <a:extLst>
+              <a:ext uri="{FF2B5EF4-FFF2-40B4-BE49-F238E27FC236}">
+                <a16:creationId xmlns:a16="http://schemas.microsoft.com/office/drawing/2014/main" id="{C5E5A22C-04B2-4A2D-A9AC-FA4A6D70F68B}"/>
+              </a:ext>
+            </a:extLst>
+          </p:cNvPr>
+          <p:cNvSpPr/>
+          <p:nvPr/>
+        </p:nvSpPr>
+        <p:spPr>
+          <a:xfrm>
+            <a:off x="4465989" y="4217195"/>
+            <a:ext cx="217561" cy="225300"/>
+          </a:xfrm>
+          <a:prstGeom prst="rect">
+            <a:avLst/>
+          </a:prstGeom>
+          <a:solidFill>
+            <a:srgbClr val="800000"/>
+          </a:solidFill>
+          <a:ln>
+            <a:solidFill>
+              <a:srgbClr val="000000"/>
+            </a:solidFill>
+          </a:ln>
+        </p:spPr>
+        <p:style>
+          <a:lnRef idx="1">
+            <a:schemeClr val="accent1"/>
+          </a:lnRef>
+          <a:fillRef idx="3">
+            <a:schemeClr val="accent1"/>
+          </a:fillRef>
+          <a:effectRef idx="2">
+            <a:schemeClr val="accent1"/>
+          </a:effectRef>
+          <a:fontRef idx="minor">
+            <a:schemeClr val="lt1"/>
+          </a:fontRef>
+        </p:style>
+        <p:txBody>
+          <a:bodyPr rtlCol="0" anchor="ctr"/>
+          <a:lstStyle/>
+          <a:p>
+            <a:pPr algn="ctr"/>
+            <a:endParaRPr lang="en-US"/>
+          </a:p>
+        </p:txBody>
+      </p:sp>
+      <p:sp>
+        <p:nvSpPr>
+          <p:cNvPr id="123" name="Oval 122">
+            <a:extLst>
+              <a:ext uri="{FF2B5EF4-FFF2-40B4-BE49-F238E27FC236}">
+                <a16:creationId xmlns:a16="http://schemas.microsoft.com/office/drawing/2014/main" id="{0A6B38E1-7BC3-4AF8-9E5A-464FF170BB6E}"/>
+              </a:ext>
+            </a:extLst>
+          </p:cNvPr>
+          <p:cNvSpPr/>
+          <p:nvPr/>
+        </p:nvSpPr>
+        <p:spPr>
+          <a:xfrm>
+            <a:off x="4764718" y="4513677"/>
+            <a:ext cx="269633" cy="250176"/>
+          </a:xfrm>
+          <a:prstGeom prst="ellipse">
+            <a:avLst/>
+          </a:prstGeom>
+          <a:solidFill>
+            <a:srgbClr val="0000FF"/>
+          </a:solidFill>
+          <a:ln>
+            <a:solidFill>
+              <a:schemeClr val="tx1"/>
+            </a:solidFill>
+          </a:ln>
+        </p:spPr>
+        <p:style>
+          <a:lnRef idx="1">
+            <a:schemeClr val="accent1"/>
+          </a:lnRef>
+          <a:fillRef idx="3">
+            <a:schemeClr val="accent1"/>
+          </a:fillRef>
+          <a:effectRef idx="2">
+            <a:schemeClr val="accent1"/>
+          </a:effectRef>
+          <a:fontRef idx="minor">
+            <a:schemeClr val="lt1"/>
+          </a:fontRef>
+        </p:style>
+        <p:txBody>
+          <a:bodyPr rtlCol="0" anchor="ctr"/>
+          <a:lstStyle/>
+          <a:p>
+            <a:pPr algn="ctr"/>
+            <a:endParaRPr lang="en-US"/>
+          </a:p>
+        </p:txBody>
+      </p:sp>
+      <p:sp>
+        <p:nvSpPr>
+          <p:cNvPr id="137" name="Oval 136">
+            <a:extLst>
+              <a:ext uri="{FF2B5EF4-FFF2-40B4-BE49-F238E27FC236}">
+                <a16:creationId xmlns:a16="http://schemas.microsoft.com/office/drawing/2014/main" id="{EE6D8B19-A832-464E-B99F-51C7BAD2D3DD}"/>
+              </a:ext>
+            </a:extLst>
+          </p:cNvPr>
+          <p:cNvSpPr/>
+          <p:nvPr/>
+        </p:nvSpPr>
+        <p:spPr>
+          <a:xfrm>
+            <a:off x="4432209" y="4516568"/>
+            <a:ext cx="269633" cy="250176"/>
+          </a:xfrm>
+          <a:prstGeom prst="ellipse">
+            <a:avLst/>
+          </a:prstGeom>
+          <a:solidFill>
+            <a:srgbClr val="0000FF"/>
+          </a:solidFill>
+          <a:ln>
+            <a:solidFill>
+              <a:schemeClr val="tx1"/>
+            </a:solidFill>
+          </a:ln>
+        </p:spPr>
+        <p:style>
+          <a:lnRef idx="1">
+            <a:schemeClr val="accent1"/>
+          </a:lnRef>
+          <a:fillRef idx="3">
+            <a:schemeClr val="accent1"/>
+          </a:fillRef>
+          <a:effectRef idx="2">
+            <a:schemeClr val="accent1"/>
+          </a:effectRef>
+          <a:fontRef idx="minor">
+            <a:schemeClr val="lt1"/>
+          </a:fontRef>
+        </p:style>
+        <p:txBody>
+          <a:bodyPr rtlCol="0" anchor="ctr"/>
+          <a:lstStyle/>
+          <a:p>
+            <a:pPr algn="ctr"/>
+            <a:endParaRPr lang="en-US"/>
+          </a:p>
+        </p:txBody>
+      </p:sp>
+      <p:sp>
+        <p:nvSpPr>
+          <p:cNvPr id="139" name="Heart 138">
+            <a:extLst>
+              <a:ext uri="{FF2B5EF4-FFF2-40B4-BE49-F238E27FC236}">
+                <a16:creationId xmlns:a16="http://schemas.microsoft.com/office/drawing/2014/main" id="{690BA97D-1963-48FB-AE7E-75D8CA433ED0}"/>
+              </a:ext>
+            </a:extLst>
+          </p:cNvPr>
+          <p:cNvSpPr/>
+          <p:nvPr/>
+        </p:nvSpPr>
+        <p:spPr>
+          <a:xfrm>
+            <a:off x="4454935" y="4819989"/>
+            <a:ext cx="269633" cy="257915"/>
+          </a:xfrm>
+          <a:prstGeom prst="heart">
+            <a:avLst/>
+          </a:prstGeom>
+          <a:solidFill>
+            <a:srgbClr val="008000"/>
+          </a:solidFill>
+          <a:ln>
+            <a:solidFill>
+              <a:srgbClr val="000000"/>
+            </a:solidFill>
+          </a:ln>
+        </p:spPr>
+        <p:style>
+          <a:lnRef idx="1">
+            <a:schemeClr val="accent1"/>
+          </a:lnRef>
+          <a:fillRef idx="3">
+            <a:schemeClr val="accent1"/>
+          </a:fillRef>
+          <a:effectRef idx="2">
+            <a:schemeClr val="accent1"/>
+          </a:effectRef>
+          <a:fontRef idx="minor">
+            <a:schemeClr val="lt1"/>
+          </a:fontRef>
+        </p:style>
+        <p:txBody>
+          <a:bodyPr rtlCol="0" anchor="ctr"/>
+          <a:lstStyle/>
+          <a:p>
+            <a:pPr algn="ctr"/>
+            <a:endParaRPr lang="en-US"/>
+          </a:p>
+        </p:txBody>
+      </p:sp>
+      <p:sp>
+        <p:nvSpPr>
+          <p:cNvPr id="141" name="Heart 140">
+            <a:extLst>
+              <a:ext uri="{FF2B5EF4-FFF2-40B4-BE49-F238E27FC236}">
+                <a16:creationId xmlns:a16="http://schemas.microsoft.com/office/drawing/2014/main" id="{25ECF938-953D-4D54-A378-02C4A9A40E43}"/>
+              </a:ext>
+            </a:extLst>
+          </p:cNvPr>
+          <p:cNvSpPr/>
+          <p:nvPr/>
+        </p:nvSpPr>
+        <p:spPr>
+          <a:xfrm>
+            <a:off x="4787364" y="4819989"/>
+            <a:ext cx="269633" cy="257915"/>
+          </a:xfrm>
+          <a:prstGeom prst="heart">
+            <a:avLst/>
+          </a:prstGeom>
+          <a:solidFill>
+            <a:srgbClr val="008000"/>
+          </a:solidFill>
+          <a:ln>
+            <a:solidFill>
+              <a:srgbClr val="000000"/>
+            </a:solidFill>
+          </a:ln>
+        </p:spPr>
+        <p:style>
+          <a:lnRef idx="1">
+            <a:schemeClr val="accent1"/>
+          </a:lnRef>
+          <a:fillRef idx="3">
+            <a:schemeClr val="accent1"/>
+          </a:fillRef>
+          <a:effectRef idx="2">
+            <a:schemeClr val="accent1"/>
+          </a:effectRef>
+          <a:fontRef idx="minor">
+            <a:schemeClr val="lt1"/>
+          </a:fontRef>
+        </p:style>
+        <p:txBody>
+          <a:bodyPr rtlCol="0" anchor="ctr"/>
+          <a:lstStyle/>
+          <a:p>
+            <a:pPr algn="ctr"/>
+            <a:endParaRPr lang="en-US"/>
+          </a:p>
+        </p:txBody>
+      </p:sp>
+      <p:sp>
+        <p:nvSpPr>
+          <p:cNvPr id="143" name="Isosceles Triangle 142">
+            <a:extLst>
+              <a:ext uri="{FF2B5EF4-FFF2-40B4-BE49-F238E27FC236}">
+                <a16:creationId xmlns:a16="http://schemas.microsoft.com/office/drawing/2014/main" id="{9D9E4F42-3A77-471B-B2C2-C434F28A0174}"/>
+              </a:ext>
+            </a:extLst>
+          </p:cNvPr>
+          <p:cNvSpPr/>
+          <p:nvPr/>
+        </p:nvSpPr>
+        <p:spPr>
+          <a:xfrm>
+            <a:off x="4450285" y="5116313"/>
+            <a:ext cx="291163" cy="219064"/>
+          </a:xfrm>
+          <a:prstGeom prst="triangle">
+            <a:avLst/>
+          </a:prstGeom>
+          <a:solidFill>
+            <a:schemeClr val="accent6">
+              <a:lumMod val="75000"/>
+            </a:schemeClr>
+          </a:solidFill>
+          <a:ln>
+            <a:solidFill>
+              <a:srgbClr val="000000"/>
+            </a:solidFill>
+          </a:ln>
+        </p:spPr>
+        <p:style>
+          <a:lnRef idx="1">
+            <a:schemeClr val="accent1"/>
+          </a:lnRef>
+          <a:fillRef idx="3">
+            <a:schemeClr val="accent1"/>
+          </a:fillRef>
+          <a:effectRef idx="2">
+            <a:schemeClr val="accent1"/>
+          </a:effectRef>
+          <a:fontRef idx="minor">
+            <a:schemeClr val="lt1"/>
+          </a:fontRef>
+        </p:style>
+        <p:txBody>
+          <a:bodyPr rtlCol="0" anchor="ctr"/>
+          <a:lstStyle/>
+          <a:p>
+            <a:pPr algn="ctr"/>
+            <a:endParaRPr lang="en-US"/>
+          </a:p>
+        </p:txBody>
+      </p:sp>
+      <p:sp>
+        <p:nvSpPr>
+          <p:cNvPr id="145" name="Rectangle 144">
+            <a:extLst>
+              <a:ext uri="{FF2B5EF4-FFF2-40B4-BE49-F238E27FC236}">
+                <a16:creationId xmlns:a16="http://schemas.microsoft.com/office/drawing/2014/main" id="{E516B77D-E1A4-4AC5-91D5-DD349FEE0173}"/>
+              </a:ext>
+            </a:extLst>
+          </p:cNvPr>
+          <p:cNvSpPr/>
+          <p:nvPr/>
+        </p:nvSpPr>
+        <p:spPr>
+          <a:xfrm>
+            <a:off x="4497217" y="5618661"/>
+            <a:ext cx="217561" cy="225300"/>
+          </a:xfrm>
+          <a:prstGeom prst="rect">
+            <a:avLst/>
+          </a:prstGeom>
+          <a:solidFill>
+            <a:srgbClr val="800000"/>
+          </a:solidFill>
+          <a:ln>
+            <a:solidFill>
+              <a:srgbClr val="000000"/>
+            </a:solidFill>
+          </a:ln>
+        </p:spPr>
+        <p:style>
+          <a:lnRef idx="1">
+            <a:schemeClr val="accent1"/>
+          </a:lnRef>
+          <a:fillRef idx="3">
+            <a:schemeClr val="accent1"/>
+          </a:fillRef>
+          <a:effectRef idx="2">
+            <a:schemeClr val="accent1"/>
+          </a:effectRef>
+          <a:fontRef idx="minor">
+            <a:schemeClr val="lt1"/>
+          </a:fontRef>
+        </p:style>
+        <p:txBody>
+          <a:bodyPr rtlCol="0" anchor="ctr"/>
+          <a:lstStyle/>
+          <a:p>
+            <a:pPr algn="ctr"/>
+            <a:endParaRPr lang="en-US"/>
+          </a:p>
+        </p:txBody>
+      </p:sp>
+      <p:sp>
+        <p:nvSpPr>
+          <p:cNvPr id="147" name="Rectangle 146">
+            <a:extLst>
+              <a:ext uri="{FF2B5EF4-FFF2-40B4-BE49-F238E27FC236}">
+                <a16:creationId xmlns:a16="http://schemas.microsoft.com/office/drawing/2014/main" id="{E65C199B-7B15-4867-B0C7-6771E5FE0C8D}"/>
+              </a:ext>
+            </a:extLst>
+          </p:cNvPr>
+          <p:cNvSpPr/>
+          <p:nvPr/>
+        </p:nvSpPr>
+        <p:spPr>
+          <a:xfrm>
+            <a:off x="4799549" y="5618661"/>
+            <a:ext cx="217561" cy="225300"/>
+          </a:xfrm>
+          <a:prstGeom prst="rect">
+            <a:avLst/>
+          </a:prstGeom>
+          <a:solidFill>
+            <a:srgbClr val="800000"/>
+          </a:solidFill>
+          <a:ln>
+            <a:solidFill>
+              <a:srgbClr val="000000"/>
+            </a:solidFill>
+          </a:ln>
+        </p:spPr>
+        <p:style>
+          <a:lnRef idx="1">
+            <a:schemeClr val="accent1"/>
+          </a:lnRef>
+          <a:fillRef idx="3">
+            <a:schemeClr val="accent1"/>
+          </a:fillRef>
+          <a:effectRef idx="2">
+            <a:schemeClr val="accent1"/>
+          </a:effectRef>
+          <a:fontRef idx="minor">
+            <a:schemeClr val="lt1"/>
+          </a:fontRef>
+        </p:style>
+        <p:txBody>
+          <a:bodyPr rtlCol="0" anchor="ctr"/>
+          <a:lstStyle/>
+          <a:p>
+            <a:pPr algn="ctr"/>
+            <a:endParaRPr lang="en-US"/>
+          </a:p>
+        </p:txBody>
+      </p:sp>
+      <p:pic>
+        <p:nvPicPr>
+          <p:cNvPr id="149" name="Picture 148">
+            <a:extLst>
+              <a:ext uri="{FF2B5EF4-FFF2-40B4-BE49-F238E27FC236}">
+                <a16:creationId xmlns:a16="http://schemas.microsoft.com/office/drawing/2014/main" id="{F8E2E0C9-5A15-4446-9AE1-7F48F4828DE6}"/>
+              </a:ext>
+            </a:extLst>
+          </p:cNvPr>
+          <p:cNvPicPr>
+            <a:picLocks noChangeAspect="1"/>
+          </p:cNvPicPr>
+          <p:nvPr/>
+        </p:nvPicPr>
+        <p:blipFill>
+          <a:blip r:embed="rId3"/>
+          <a:stretch>
+            <a:fillRect/>
+          </a:stretch>
+        </p:blipFill>
+        <p:spPr>
+          <a:xfrm>
+            <a:off x="4472234" y="5890372"/>
+            <a:ext cx="262999" cy="250176"/>
+          </a:xfrm>
+          <a:prstGeom prst="rect">
+            <a:avLst/>
+          </a:prstGeom>
+        </p:spPr>
+      </p:pic>
+      <p:pic>
+        <p:nvPicPr>
+          <p:cNvPr id="151" name="Picture 150">
+            <a:extLst>
+              <a:ext uri="{FF2B5EF4-FFF2-40B4-BE49-F238E27FC236}">
+                <a16:creationId xmlns:a16="http://schemas.microsoft.com/office/drawing/2014/main" id="{2E17CD2B-67B3-456B-B1F7-4646ED169E0E}"/>
+              </a:ext>
+            </a:extLst>
+          </p:cNvPr>
+          <p:cNvPicPr>
+            <a:picLocks noChangeAspect="1"/>
+          </p:cNvPicPr>
+          <p:nvPr/>
+        </p:nvPicPr>
+        <p:blipFill>
+          <a:blip r:embed="rId3"/>
+          <a:stretch>
+            <a:fillRect/>
+          </a:stretch>
+        </p:blipFill>
+        <p:spPr>
+          <a:xfrm>
+            <a:off x="4783029" y="5895985"/>
+            <a:ext cx="262999" cy="250176"/>
+          </a:xfrm>
+          <a:prstGeom prst="rect">
+            <a:avLst/>
+          </a:prstGeom>
+        </p:spPr>
+      </p:pic>
+      <p:sp>
+        <p:nvSpPr>
+          <p:cNvPr id="153" name="Heart 152">
+            <a:extLst>
+              <a:ext uri="{FF2B5EF4-FFF2-40B4-BE49-F238E27FC236}">
+                <a16:creationId xmlns:a16="http://schemas.microsoft.com/office/drawing/2014/main" id="{B8A37637-9C91-44D1-A4EB-41C43CAC70ED}"/>
+              </a:ext>
+            </a:extLst>
+          </p:cNvPr>
+          <p:cNvSpPr/>
+          <p:nvPr/>
+        </p:nvSpPr>
+        <p:spPr>
+          <a:xfrm>
+            <a:off x="4462384" y="6231131"/>
+            <a:ext cx="269633" cy="257915"/>
+          </a:xfrm>
+          <a:prstGeom prst="heart">
+            <a:avLst/>
+          </a:prstGeom>
+          <a:solidFill>
+            <a:srgbClr val="008000"/>
+          </a:solidFill>
+          <a:ln>
+            <a:solidFill>
+              <a:srgbClr val="000000"/>
+            </a:solidFill>
+          </a:ln>
+        </p:spPr>
+        <p:style>
+          <a:lnRef idx="1">
+            <a:schemeClr val="accent1"/>
+          </a:lnRef>
+          <a:fillRef idx="3">
+            <a:schemeClr val="accent1"/>
+          </a:fillRef>
+          <a:effectRef idx="2">
+            <a:schemeClr val="accent1"/>
+          </a:effectRef>
+          <a:fontRef idx="minor">
+            <a:schemeClr val="lt1"/>
+          </a:fontRef>
+        </p:style>
+        <p:txBody>
+          <a:bodyPr rtlCol="0" anchor="ctr"/>
+          <a:lstStyle/>
+          <a:p>
+            <a:pPr algn="ctr"/>
+            <a:endParaRPr lang="en-US"/>
+          </a:p>
+        </p:txBody>
+      </p:sp>
+      <p:sp>
+        <p:nvSpPr>
+          <p:cNvPr id="155" name="Isosceles Triangle 154">
+            <a:extLst>
+              <a:ext uri="{FF2B5EF4-FFF2-40B4-BE49-F238E27FC236}">
+                <a16:creationId xmlns:a16="http://schemas.microsoft.com/office/drawing/2014/main" id="{03A41AC9-203A-464D-8102-4AF372E56418}"/>
+              </a:ext>
+            </a:extLst>
+          </p:cNvPr>
+          <p:cNvSpPr/>
+          <p:nvPr/>
+        </p:nvSpPr>
+        <p:spPr>
+          <a:xfrm>
+            <a:off x="4457734" y="6527455"/>
+            <a:ext cx="291163" cy="219064"/>
+          </a:xfrm>
+          <a:prstGeom prst="triangle">
+            <a:avLst/>
+          </a:prstGeom>
+          <a:solidFill>
+            <a:schemeClr val="accent6">
+              <a:lumMod val="75000"/>
+            </a:schemeClr>
+          </a:solidFill>
+          <a:ln>
+            <a:solidFill>
+              <a:srgbClr val="000000"/>
+            </a:solidFill>
+          </a:ln>
+        </p:spPr>
+        <p:style>
+          <a:lnRef idx="1">
+            <a:schemeClr val="accent1"/>
+          </a:lnRef>
+          <a:fillRef idx="3">
+            <a:schemeClr val="accent1"/>
+          </a:fillRef>
+          <a:effectRef idx="2">
+            <a:schemeClr val="accent1"/>
+          </a:effectRef>
+          <a:fontRef idx="minor">
+            <a:schemeClr val="lt1"/>
+          </a:fontRef>
+        </p:style>
+        <p:txBody>
+          <a:bodyPr rtlCol="0" anchor="ctr"/>
+          <a:lstStyle/>
+          <a:p>
+            <a:pPr algn="ctr"/>
+            <a:endParaRPr lang="en-US"/>
+          </a:p>
+        </p:txBody>
+      </p:sp>
+      <p:sp>
+        <p:nvSpPr>
+          <p:cNvPr id="157" name="Rectangle 156">
+            <a:extLst>
+              <a:ext uri="{FF2B5EF4-FFF2-40B4-BE49-F238E27FC236}">
+                <a16:creationId xmlns:a16="http://schemas.microsoft.com/office/drawing/2014/main" id="{AB0F99CA-B8A9-425D-8949-2E5E135F1E49}"/>
+              </a:ext>
+            </a:extLst>
+          </p:cNvPr>
+          <p:cNvSpPr/>
+          <p:nvPr/>
+        </p:nvSpPr>
+        <p:spPr>
+          <a:xfrm>
+            <a:off x="6171201" y="1208968"/>
+            <a:ext cx="217561" cy="225300"/>
+          </a:xfrm>
+          <a:prstGeom prst="rect">
+            <a:avLst/>
+          </a:prstGeom>
+          <a:solidFill>
+            <a:srgbClr val="800000"/>
+          </a:solidFill>
+          <a:ln>
+            <a:solidFill>
+              <a:srgbClr val="000000"/>
+            </a:solidFill>
+          </a:ln>
+        </p:spPr>
+        <p:style>
+          <a:lnRef idx="1">
+            <a:schemeClr val="accent1"/>
+          </a:lnRef>
+          <a:fillRef idx="3">
+            <a:schemeClr val="accent1"/>
+          </a:fillRef>
+          <a:effectRef idx="2">
+            <a:schemeClr val="accent1"/>
+          </a:effectRef>
+          <a:fontRef idx="minor">
+            <a:schemeClr val="lt1"/>
+          </a:fontRef>
+        </p:style>
+        <p:txBody>
+          <a:bodyPr rtlCol="0" anchor="ctr"/>
+          <a:lstStyle/>
+          <a:p>
+            <a:pPr algn="ctr"/>
+            <a:endParaRPr lang="en-US"/>
+          </a:p>
+        </p:txBody>
+      </p:sp>
+      <p:sp>
+        <p:nvSpPr>
+          <p:cNvPr id="159" name="Rectangle 158">
+            <a:extLst>
+              <a:ext uri="{FF2B5EF4-FFF2-40B4-BE49-F238E27FC236}">
+                <a16:creationId xmlns:a16="http://schemas.microsoft.com/office/drawing/2014/main" id="{A5F8AACC-27AF-43E3-81C7-29BE04541B68}"/>
+              </a:ext>
+            </a:extLst>
+          </p:cNvPr>
+          <p:cNvSpPr/>
+          <p:nvPr/>
+        </p:nvSpPr>
+        <p:spPr>
+          <a:xfrm>
+            <a:off x="6473533" y="1208968"/>
+            <a:ext cx="217561" cy="225300"/>
+          </a:xfrm>
+          <a:prstGeom prst="rect">
+            <a:avLst/>
+          </a:prstGeom>
+          <a:solidFill>
+            <a:srgbClr val="800000"/>
+          </a:solidFill>
+          <a:ln>
+            <a:solidFill>
+              <a:srgbClr val="000000"/>
+            </a:solidFill>
+          </a:ln>
+        </p:spPr>
+        <p:style>
+          <a:lnRef idx="1">
+            <a:schemeClr val="accent1"/>
+          </a:lnRef>
+          <a:fillRef idx="3">
+            <a:schemeClr val="accent1"/>
+          </a:fillRef>
+          <a:effectRef idx="2">
+            <a:schemeClr val="accent1"/>
+          </a:effectRef>
+          <a:fontRef idx="minor">
+            <a:schemeClr val="lt1"/>
+          </a:fontRef>
+        </p:style>
+        <p:txBody>
+          <a:bodyPr rtlCol="0" anchor="ctr"/>
+          <a:lstStyle/>
+          <a:p>
+            <a:pPr algn="ctr"/>
+            <a:endParaRPr lang="en-US"/>
+          </a:p>
+        </p:txBody>
+      </p:sp>
+      <p:sp>
+        <p:nvSpPr>
+          <p:cNvPr id="161" name="Rectangle 160">
+            <a:extLst>
+              <a:ext uri="{FF2B5EF4-FFF2-40B4-BE49-F238E27FC236}">
+                <a16:creationId xmlns:a16="http://schemas.microsoft.com/office/drawing/2014/main" id="{C4FF7D92-E4FE-49E7-8BC0-F6BB051823CD}"/>
+              </a:ext>
+            </a:extLst>
+          </p:cNvPr>
+          <p:cNvSpPr/>
+          <p:nvPr/>
+        </p:nvSpPr>
+        <p:spPr>
+          <a:xfrm>
+            <a:off x="6832993" y="1527818"/>
+            <a:ext cx="217561" cy="225300"/>
+          </a:xfrm>
+          <a:prstGeom prst="rect">
+            <a:avLst/>
+          </a:prstGeom>
+          <a:solidFill>
+            <a:srgbClr val="800000"/>
+          </a:solidFill>
+          <a:ln>
+            <a:solidFill>
+              <a:srgbClr val="000000"/>
+            </a:solidFill>
+          </a:ln>
+        </p:spPr>
+        <p:style>
+          <a:lnRef idx="1">
+            <a:schemeClr val="accent1"/>
+          </a:lnRef>
+          <a:fillRef idx="3">
+            <a:schemeClr val="accent1"/>
+          </a:fillRef>
+          <a:effectRef idx="2">
+            <a:schemeClr val="accent1"/>
+          </a:effectRef>
+          <a:fontRef idx="minor">
+            <a:schemeClr val="lt1"/>
+          </a:fontRef>
+        </p:style>
+        <p:txBody>
+          <a:bodyPr rtlCol="0" anchor="ctr"/>
+          <a:lstStyle/>
+          <a:p>
+            <a:pPr algn="ctr"/>
+            <a:endParaRPr lang="en-US"/>
+          </a:p>
+        </p:txBody>
+      </p:sp>
+      <p:sp>
+        <p:nvSpPr>
+          <p:cNvPr id="163" name="Rectangle 162">
+            <a:extLst>
+              <a:ext uri="{FF2B5EF4-FFF2-40B4-BE49-F238E27FC236}">
+                <a16:creationId xmlns:a16="http://schemas.microsoft.com/office/drawing/2014/main" id="{D241F1D6-2D17-4E09-9C4E-1DB6A687ABFF}"/>
+              </a:ext>
+            </a:extLst>
+          </p:cNvPr>
+          <p:cNvSpPr/>
+          <p:nvPr/>
+        </p:nvSpPr>
+        <p:spPr>
+          <a:xfrm>
+            <a:off x="6502121" y="1514742"/>
+            <a:ext cx="217561" cy="225300"/>
+          </a:xfrm>
+          <a:prstGeom prst="rect">
+            <a:avLst/>
+          </a:prstGeom>
+          <a:solidFill>
+            <a:srgbClr val="800000"/>
+          </a:solidFill>
+          <a:ln>
+            <a:solidFill>
+              <a:srgbClr val="000000"/>
+            </a:solidFill>
+          </a:ln>
+        </p:spPr>
+        <p:style>
+          <a:lnRef idx="1">
+            <a:schemeClr val="accent1"/>
+          </a:lnRef>
+          <a:fillRef idx="3">
+            <a:schemeClr val="accent1"/>
+          </a:fillRef>
+          <a:effectRef idx="2">
+            <a:schemeClr val="accent1"/>
+          </a:effectRef>
+          <a:fontRef idx="minor">
+            <a:schemeClr val="lt1"/>
+          </a:fontRef>
+        </p:style>
+        <p:txBody>
+          <a:bodyPr rtlCol="0" anchor="ctr"/>
+          <a:lstStyle/>
+          <a:p>
+            <a:pPr algn="ctr"/>
+            <a:endParaRPr lang="en-US"/>
+          </a:p>
+        </p:txBody>
+      </p:sp>
+      <p:sp>
+        <p:nvSpPr>
+          <p:cNvPr id="165" name="Rectangle 164">
+            <a:extLst>
+              <a:ext uri="{FF2B5EF4-FFF2-40B4-BE49-F238E27FC236}">
+                <a16:creationId xmlns:a16="http://schemas.microsoft.com/office/drawing/2014/main" id="{629313EE-2469-47B9-918F-9247A2ECB97A}"/>
+              </a:ext>
+            </a:extLst>
+          </p:cNvPr>
+          <p:cNvSpPr/>
+          <p:nvPr/>
+        </p:nvSpPr>
+        <p:spPr>
+          <a:xfrm>
+            <a:off x="6182639" y="1508730"/>
+            <a:ext cx="217561" cy="225300"/>
+          </a:xfrm>
+          <a:prstGeom prst="rect">
+            <a:avLst/>
+          </a:prstGeom>
+          <a:solidFill>
+            <a:srgbClr val="800000"/>
+          </a:solidFill>
+          <a:ln>
+            <a:solidFill>
+              <a:srgbClr val="000000"/>
+            </a:solidFill>
+          </a:ln>
+        </p:spPr>
+        <p:style>
+          <a:lnRef idx="1">
+            <a:schemeClr val="accent1"/>
+          </a:lnRef>
+          <a:fillRef idx="3">
+            <a:schemeClr val="accent1"/>
+          </a:fillRef>
+          <a:effectRef idx="2">
+            <a:schemeClr val="accent1"/>
+          </a:effectRef>
+          <a:fontRef idx="minor">
+            <a:schemeClr val="lt1"/>
+          </a:fontRef>
+        </p:style>
+        <p:txBody>
+          <a:bodyPr rtlCol="0" anchor="ctr"/>
+          <a:lstStyle/>
+          <a:p>
+            <a:pPr algn="ctr"/>
+            <a:endParaRPr lang="en-US"/>
+          </a:p>
+        </p:txBody>
+      </p:sp>
+      <p:sp>
+        <p:nvSpPr>
+          <p:cNvPr id="167" name="Rectangle 166">
+            <a:extLst>
+              <a:ext uri="{FF2B5EF4-FFF2-40B4-BE49-F238E27FC236}">
+                <a16:creationId xmlns:a16="http://schemas.microsoft.com/office/drawing/2014/main" id="{48EDAE25-0A7D-415B-B411-A4216F2DE0B9}"/>
+              </a:ext>
+            </a:extLst>
+          </p:cNvPr>
+          <p:cNvSpPr/>
+          <p:nvPr/>
+        </p:nvSpPr>
+        <p:spPr>
+          <a:xfrm>
+            <a:off x="6829378" y="1208968"/>
+            <a:ext cx="217561" cy="225300"/>
+          </a:xfrm>
+          <a:prstGeom prst="rect">
+            <a:avLst/>
+          </a:prstGeom>
+          <a:solidFill>
+            <a:srgbClr val="800000"/>
+          </a:solidFill>
+          <a:ln>
+            <a:solidFill>
+              <a:srgbClr val="000000"/>
+            </a:solidFill>
+          </a:ln>
+        </p:spPr>
+        <p:style>
+          <a:lnRef idx="1">
+            <a:schemeClr val="accent1"/>
+          </a:lnRef>
+          <a:fillRef idx="3">
+            <a:schemeClr val="accent1"/>
+          </a:fillRef>
+          <a:effectRef idx="2">
+            <a:schemeClr val="accent1"/>
+          </a:effectRef>
+          <a:fontRef idx="minor">
+            <a:schemeClr val="lt1"/>
+          </a:fontRef>
+        </p:style>
+        <p:txBody>
+          <a:bodyPr rtlCol="0" anchor="ctr"/>
+          <a:lstStyle/>
+          <a:p>
+            <a:pPr algn="ctr"/>
+            <a:endParaRPr lang="en-US"/>
+          </a:p>
+        </p:txBody>
+      </p:sp>
+      <p:sp>
+        <p:nvSpPr>
+          <p:cNvPr id="169" name="Rectangle 168">
+            <a:extLst>
+              <a:ext uri="{FF2B5EF4-FFF2-40B4-BE49-F238E27FC236}">
+                <a16:creationId xmlns:a16="http://schemas.microsoft.com/office/drawing/2014/main" id="{14086276-3774-4663-AA28-2D795E539A25}"/>
+              </a:ext>
+            </a:extLst>
+          </p:cNvPr>
+          <p:cNvSpPr/>
+          <p:nvPr/>
+        </p:nvSpPr>
+        <p:spPr>
+          <a:xfrm>
+            <a:off x="6194992" y="1808054"/>
+            <a:ext cx="217561" cy="225300"/>
+          </a:xfrm>
+          <a:prstGeom prst="rect">
+            <a:avLst/>
+          </a:prstGeom>
+          <a:solidFill>
+            <a:srgbClr val="800000"/>
+          </a:solidFill>
+          <a:ln>
+            <a:solidFill>
+              <a:srgbClr val="000000"/>
+            </a:solidFill>
+          </a:ln>
+        </p:spPr>
+        <p:style>
+          <a:lnRef idx="1">
+            <a:schemeClr val="accent1"/>
+          </a:lnRef>
+          <a:fillRef idx="3">
+            <a:schemeClr val="accent1"/>
+          </a:fillRef>
+          <a:effectRef idx="2">
+            <a:schemeClr val="accent1"/>
+          </a:effectRef>
+          <a:fontRef idx="minor">
+            <a:schemeClr val="lt1"/>
+          </a:fontRef>
+        </p:style>
+        <p:txBody>
+          <a:bodyPr rtlCol="0" anchor="ctr"/>
+          <a:lstStyle/>
+          <a:p>
+            <a:pPr algn="ctr"/>
+            <a:endParaRPr lang="en-US"/>
+          </a:p>
+        </p:txBody>
+      </p:sp>
+      <p:sp>
+        <p:nvSpPr>
+          <p:cNvPr id="171" name="Rectangle 170">
+            <a:extLst>
+              <a:ext uri="{FF2B5EF4-FFF2-40B4-BE49-F238E27FC236}">
+                <a16:creationId xmlns:a16="http://schemas.microsoft.com/office/drawing/2014/main" id="{5EAF744B-36C8-427D-B6A3-00111B6DD148}"/>
+              </a:ext>
+            </a:extLst>
+          </p:cNvPr>
+          <p:cNvSpPr/>
+          <p:nvPr/>
+        </p:nvSpPr>
+        <p:spPr>
+          <a:xfrm>
+            <a:off x="6497324" y="1808054"/>
+            <a:ext cx="217561" cy="225300"/>
+          </a:xfrm>
+          <a:prstGeom prst="rect">
+            <a:avLst/>
+          </a:prstGeom>
+          <a:solidFill>
+            <a:srgbClr val="800000"/>
+          </a:solidFill>
+          <a:ln>
+            <a:solidFill>
+              <a:srgbClr val="000000"/>
+            </a:solidFill>
+          </a:ln>
+        </p:spPr>
+        <p:style>
+          <a:lnRef idx="1">
+            <a:schemeClr val="accent1"/>
+          </a:lnRef>
+          <a:fillRef idx="3">
+            <a:schemeClr val="accent1"/>
+          </a:fillRef>
+          <a:effectRef idx="2">
+            <a:schemeClr val="accent1"/>
+          </a:effectRef>
+          <a:fontRef idx="minor">
+            <a:schemeClr val="lt1"/>
+          </a:fontRef>
+        </p:style>
+        <p:txBody>
+          <a:bodyPr rtlCol="0" anchor="ctr"/>
+          <a:lstStyle/>
+          <a:p>
+            <a:pPr algn="ctr"/>
+            <a:endParaRPr lang="en-US"/>
+          </a:p>
+        </p:txBody>
+      </p:sp>
+      <p:pic>
+        <p:nvPicPr>
+          <p:cNvPr id="173" name="Picture 172">
+            <a:extLst>
+              <a:ext uri="{FF2B5EF4-FFF2-40B4-BE49-F238E27FC236}">
+                <a16:creationId xmlns:a16="http://schemas.microsoft.com/office/drawing/2014/main" id="{11BC5C1C-D022-4184-A180-C8F926733AA9}"/>
+              </a:ext>
+            </a:extLst>
+          </p:cNvPr>
+          <p:cNvPicPr>
+            <a:picLocks noChangeAspect="1"/>
+          </p:cNvPicPr>
+          <p:nvPr/>
+        </p:nvPicPr>
+        <p:blipFill>
+          <a:blip r:embed="rId3"/>
+          <a:stretch>
+            <a:fillRect/>
+          </a:stretch>
+        </p:blipFill>
+        <p:spPr>
+          <a:xfrm>
+            <a:off x="6165370" y="3202721"/>
+            <a:ext cx="262999" cy="250176"/>
+          </a:xfrm>
+          <a:prstGeom prst="rect">
+            <a:avLst/>
+          </a:prstGeom>
+        </p:spPr>
+      </p:pic>
+      <p:pic>
+        <p:nvPicPr>
+          <p:cNvPr id="175" name="Picture 174">
+            <a:extLst>
+              <a:ext uri="{FF2B5EF4-FFF2-40B4-BE49-F238E27FC236}">
+                <a16:creationId xmlns:a16="http://schemas.microsoft.com/office/drawing/2014/main" id="{8077187B-3471-4295-9905-7E5D5B256052}"/>
+              </a:ext>
+            </a:extLst>
+          </p:cNvPr>
+          <p:cNvPicPr>
+            <a:picLocks noChangeAspect="1"/>
+          </p:cNvPicPr>
+          <p:nvPr/>
+        </p:nvPicPr>
+        <p:blipFill>
+          <a:blip r:embed="rId3"/>
+          <a:stretch>
+            <a:fillRect/>
+          </a:stretch>
+        </p:blipFill>
+        <p:spPr>
+          <a:xfrm>
+            <a:off x="6476165" y="3208334"/>
+            <a:ext cx="262999" cy="250176"/>
+          </a:xfrm>
+          <a:prstGeom prst="rect">
+            <a:avLst/>
+          </a:prstGeom>
+        </p:spPr>
+      </p:pic>
+      <p:pic>
+        <p:nvPicPr>
+          <p:cNvPr id="177" name="Picture 176">
+            <a:extLst>
+              <a:ext uri="{FF2B5EF4-FFF2-40B4-BE49-F238E27FC236}">
+                <a16:creationId xmlns:a16="http://schemas.microsoft.com/office/drawing/2014/main" id="{22D307B0-D054-42F4-AE32-DC4A76BA0A75}"/>
+              </a:ext>
+            </a:extLst>
+          </p:cNvPr>
+          <p:cNvPicPr>
+            <a:picLocks noChangeAspect="1"/>
+          </p:cNvPicPr>
+          <p:nvPr/>
+        </p:nvPicPr>
+        <p:blipFill>
+          <a:blip r:embed="rId3"/>
+          <a:stretch>
+            <a:fillRect/>
+          </a:stretch>
+        </p:blipFill>
+        <p:spPr>
+          <a:xfrm>
+            <a:off x="6170423" y="3456423"/>
+            <a:ext cx="262999" cy="250176"/>
+          </a:xfrm>
+          <a:prstGeom prst="rect">
+            <a:avLst/>
+          </a:prstGeom>
+        </p:spPr>
+      </p:pic>
+      <p:pic>
+        <p:nvPicPr>
+          <p:cNvPr id="179" name="Picture 178">
+            <a:extLst>
+              <a:ext uri="{FF2B5EF4-FFF2-40B4-BE49-F238E27FC236}">
+                <a16:creationId xmlns:a16="http://schemas.microsoft.com/office/drawing/2014/main" id="{47D43E61-70C9-48D4-82CA-A906CD28A912}"/>
+              </a:ext>
+            </a:extLst>
+          </p:cNvPr>
+          <p:cNvPicPr>
+            <a:picLocks noChangeAspect="1"/>
+          </p:cNvPicPr>
+          <p:nvPr/>
+        </p:nvPicPr>
+        <p:blipFill>
+          <a:blip r:embed="rId3"/>
+          <a:stretch>
+            <a:fillRect/>
+          </a:stretch>
+        </p:blipFill>
+        <p:spPr>
+          <a:xfrm>
+            <a:off x="6814755" y="3196766"/>
+            <a:ext cx="262999" cy="250176"/>
+          </a:xfrm>
+          <a:prstGeom prst="rect">
+            <a:avLst/>
+          </a:prstGeom>
+        </p:spPr>
+      </p:pic>
+      <p:sp>
+        <p:nvSpPr>
+          <p:cNvPr id="181" name="Oval 180">
+            <a:extLst>
+              <a:ext uri="{FF2B5EF4-FFF2-40B4-BE49-F238E27FC236}">
+                <a16:creationId xmlns:a16="http://schemas.microsoft.com/office/drawing/2014/main" id="{89E2A6E7-EDEE-44EB-AB93-30BC78BAA79D}"/>
+              </a:ext>
+            </a:extLst>
+          </p:cNvPr>
+          <p:cNvSpPr/>
+          <p:nvPr/>
+        </p:nvSpPr>
+        <p:spPr>
+          <a:xfrm>
+            <a:off x="6502932" y="5234433"/>
+            <a:ext cx="269633" cy="250176"/>
+          </a:xfrm>
+          <a:prstGeom prst="ellipse">
+            <a:avLst/>
+          </a:prstGeom>
+          <a:solidFill>
+            <a:srgbClr val="0000FF"/>
+          </a:solidFill>
+          <a:ln>
+            <a:solidFill>
+              <a:schemeClr val="tx1"/>
+            </a:solidFill>
+          </a:ln>
+        </p:spPr>
+        <p:style>
+          <a:lnRef idx="1">
+            <a:schemeClr val="accent1"/>
+          </a:lnRef>
+          <a:fillRef idx="3">
+            <a:schemeClr val="accent1"/>
+          </a:fillRef>
+          <a:effectRef idx="2">
+            <a:schemeClr val="accent1"/>
+          </a:effectRef>
+          <a:fontRef idx="minor">
+            <a:schemeClr val="lt1"/>
+          </a:fontRef>
+        </p:style>
+        <p:txBody>
+          <a:bodyPr rtlCol="0" anchor="ctr"/>
+          <a:lstStyle/>
+          <a:p>
+            <a:pPr algn="ctr"/>
+            <a:endParaRPr lang="en-US"/>
+          </a:p>
+        </p:txBody>
+      </p:sp>
+      <p:sp>
+        <p:nvSpPr>
+          <p:cNvPr id="183" name="Oval 182">
+            <a:extLst>
+              <a:ext uri="{FF2B5EF4-FFF2-40B4-BE49-F238E27FC236}">
+                <a16:creationId xmlns:a16="http://schemas.microsoft.com/office/drawing/2014/main" id="{4281E237-BFA9-48FF-9EE0-E159CCABF61B}"/>
+              </a:ext>
+            </a:extLst>
+          </p:cNvPr>
+          <p:cNvSpPr/>
+          <p:nvPr/>
+        </p:nvSpPr>
+        <p:spPr>
+          <a:xfrm>
+            <a:off x="6170423" y="5237324"/>
+            <a:ext cx="269633" cy="250176"/>
+          </a:xfrm>
+          <a:prstGeom prst="ellipse">
+            <a:avLst/>
+          </a:prstGeom>
+          <a:solidFill>
+            <a:srgbClr val="0000FF"/>
+          </a:solidFill>
+          <a:ln>
+            <a:solidFill>
+              <a:schemeClr val="tx1"/>
+            </a:solidFill>
+          </a:ln>
+        </p:spPr>
+        <p:style>
+          <a:lnRef idx="1">
+            <a:schemeClr val="accent1"/>
+          </a:lnRef>
+          <a:fillRef idx="3">
+            <a:schemeClr val="accent1"/>
+          </a:fillRef>
+          <a:effectRef idx="2">
+            <a:schemeClr val="accent1"/>
+          </a:effectRef>
+          <a:fontRef idx="minor">
+            <a:schemeClr val="lt1"/>
+          </a:fontRef>
+        </p:style>
+        <p:txBody>
+          <a:bodyPr rtlCol="0" anchor="ctr"/>
+          <a:lstStyle/>
+          <a:p>
+            <a:pPr algn="ctr"/>
+            <a:endParaRPr lang="en-US"/>
+          </a:p>
+        </p:txBody>
+      </p:sp>
+      <p:sp>
+        <p:nvSpPr>
+          <p:cNvPr id="185" name="Oval 184">
+            <a:extLst>
+              <a:ext uri="{FF2B5EF4-FFF2-40B4-BE49-F238E27FC236}">
+                <a16:creationId xmlns:a16="http://schemas.microsoft.com/office/drawing/2014/main" id="{6550B4E1-1DC0-4EE5-B6C0-0FB6CC4B772E}"/>
+              </a:ext>
+            </a:extLst>
+          </p:cNvPr>
+          <p:cNvSpPr/>
+          <p:nvPr/>
+        </p:nvSpPr>
+        <p:spPr>
+          <a:xfrm>
+            <a:off x="6514370" y="5538604"/>
+            <a:ext cx="269633" cy="250176"/>
+          </a:xfrm>
+          <a:prstGeom prst="ellipse">
+            <a:avLst/>
+          </a:prstGeom>
+          <a:solidFill>
+            <a:srgbClr val="0000FF"/>
+          </a:solidFill>
+          <a:ln>
+            <a:solidFill>
+              <a:schemeClr val="tx1"/>
+            </a:solidFill>
+          </a:ln>
+        </p:spPr>
+        <p:style>
+          <a:lnRef idx="1">
+            <a:schemeClr val="accent1"/>
+          </a:lnRef>
+          <a:fillRef idx="3">
+            <a:schemeClr val="accent1"/>
+          </a:fillRef>
+          <a:effectRef idx="2">
+            <a:schemeClr val="accent1"/>
+          </a:effectRef>
+          <a:fontRef idx="minor">
+            <a:schemeClr val="lt1"/>
+          </a:fontRef>
+        </p:style>
+        <p:txBody>
+          <a:bodyPr rtlCol="0" anchor="ctr"/>
+          <a:lstStyle/>
+          <a:p>
+            <a:pPr algn="ctr"/>
+            <a:endParaRPr lang="en-US"/>
+          </a:p>
+        </p:txBody>
+      </p:sp>
+      <p:sp>
+        <p:nvSpPr>
+          <p:cNvPr id="187" name="Oval 186">
+            <a:extLst>
+              <a:ext uri="{FF2B5EF4-FFF2-40B4-BE49-F238E27FC236}">
+                <a16:creationId xmlns:a16="http://schemas.microsoft.com/office/drawing/2014/main" id="{2E1317B1-0456-4709-9448-501BE76BED9D}"/>
+              </a:ext>
+            </a:extLst>
+          </p:cNvPr>
+          <p:cNvSpPr/>
+          <p:nvPr/>
+        </p:nvSpPr>
+        <p:spPr>
+          <a:xfrm>
+            <a:off x="6181861" y="5541495"/>
+            <a:ext cx="269633" cy="250176"/>
+          </a:xfrm>
+          <a:prstGeom prst="ellipse">
+            <a:avLst/>
+          </a:prstGeom>
+          <a:solidFill>
+            <a:srgbClr val="0000FF"/>
+          </a:solidFill>
+          <a:ln>
+            <a:solidFill>
+              <a:schemeClr val="tx1"/>
+            </a:solidFill>
+          </a:ln>
+        </p:spPr>
+        <p:style>
+          <a:lnRef idx="1">
+            <a:schemeClr val="accent1"/>
+          </a:lnRef>
+          <a:fillRef idx="3">
+            <a:schemeClr val="accent1"/>
+          </a:fillRef>
+          <a:effectRef idx="2">
+            <a:schemeClr val="accent1"/>
+          </a:effectRef>
+          <a:fontRef idx="minor">
+            <a:schemeClr val="lt1"/>
+          </a:fontRef>
+        </p:style>
+        <p:txBody>
+          <a:bodyPr rtlCol="0" anchor="ctr"/>
+          <a:lstStyle/>
+          <a:p>
+            <a:pPr algn="ctr"/>
+            <a:endParaRPr lang="en-US"/>
+          </a:p>
+        </p:txBody>
+      </p:sp>
+      <p:sp>
+        <p:nvSpPr>
+          <p:cNvPr id="189" name="Oval 188">
+            <a:extLst>
+              <a:ext uri="{FF2B5EF4-FFF2-40B4-BE49-F238E27FC236}">
+                <a16:creationId xmlns:a16="http://schemas.microsoft.com/office/drawing/2014/main" id="{538E46FB-100A-4A04-94A4-946AF6E3922E}"/>
+              </a:ext>
+            </a:extLst>
+          </p:cNvPr>
+          <p:cNvSpPr/>
+          <p:nvPr/>
+        </p:nvSpPr>
+        <p:spPr>
+          <a:xfrm>
+            <a:off x="6836942" y="5234433"/>
+            <a:ext cx="269633" cy="250176"/>
+          </a:xfrm>
+          <a:prstGeom prst="ellipse">
+            <a:avLst/>
+          </a:prstGeom>
+          <a:solidFill>
+            <a:srgbClr val="0000FF"/>
+          </a:solidFill>
+          <a:ln>
+            <a:solidFill>
+              <a:schemeClr val="tx1"/>
+            </a:solidFill>
+          </a:ln>
+        </p:spPr>
+        <p:style>
+          <a:lnRef idx="1">
+            <a:schemeClr val="accent1"/>
+          </a:lnRef>
+          <a:fillRef idx="3">
+            <a:schemeClr val="accent1"/>
+          </a:fillRef>
+          <a:effectRef idx="2">
+            <a:schemeClr val="accent1"/>
+          </a:effectRef>
+          <a:fontRef idx="minor">
+            <a:schemeClr val="lt1"/>
+          </a:fontRef>
+        </p:style>
+        <p:txBody>
+          <a:bodyPr rtlCol="0" anchor="ctr"/>
+          <a:lstStyle/>
+          <a:p>
+            <a:pPr algn="ctr"/>
+            <a:endParaRPr lang="en-US"/>
+          </a:p>
+        </p:txBody>
+      </p:sp>
+      <p:sp>
+        <p:nvSpPr>
+          <p:cNvPr id="191" name="Heart 190">
+            <a:extLst>
+              <a:ext uri="{FF2B5EF4-FFF2-40B4-BE49-F238E27FC236}">
+                <a16:creationId xmlns:a16="http://schemas.microsoft.com/office/drawing/2014/main" id="{99EE42A4-CE42-49A4-8272-C54B637953C5}"/>
+              </a:ext>
+            </a:extLst>
+          </p:cNvPr>
+          <p:cNvSpPr/>
+          <p:nvPr/>
+        </p:nvSpPr>
+        <p:spPr>
+          <a:xfrm>
+            <a:off x="6193641" y="3762693"/>
+            <a:ext cx="269633" cy="257915"/>
+          </a:xfrm>
+          <a:prstGeom prst="heart">
+            <a:avLst/>
+          </a:prstGeom>
+          <a:solidFill>
+            <a:srgbClr val="008000"/>
+          </a:solidFill>
+          <a:ln>
+            <a:solidFill>
+              <a:srgbClr val="000000"/>
+            </a:solidFill>
+          </a:ln>
+        </p:spPr>
+        <p:style>
+          <a:lnRef idx="1">
+            <a:schemeClr val="accent1"/>
+          </a:lnRef>
+          <a:fillRef idx="3">
+            <a:schemeClr val="accent1"/>
+          </a:fillRef>
+          <a:effectRef idx="2">
+            <a:schemeClr val="accent1"/>
+          </a:effectRef>
+          <a:fontRef idx="minor">
+            <a:schemeClr val="lt1"/>
+          </a:fontRef>
+        </p:style>
+        <p:txBody>
+          <a:bodyPr rtlCol="0" anchor="ctr"/>
+          <a:lstStyle/>
+          <a:p>
+            <a:pPr algn="ctr"/>
+            <a:endParaRPr lang="en-US"/>
+          </a:p>
+        </p:txBody>
+      </p:sp>
+      <p:sp>
+        <p:nvSpPr>
+          <p:cNvPr id="193" name="Heart 192">
+            <a:extLst>
+              <a:ext uri="{FF2B5EF4-FFF2-40B4-BE49-F238E27FC236}">
+                <a16:creationId xmlns:a16="http://schemas.microsoft.com/office/drawing/2014/main" id="{30CA97CA-8E31-4379-A535-B0DCACAAB3C0}"/>
+              </a:ext>
+            </a:extLst>
+          </p:cNvPr>
+          <p:cNvSpPr/>
+          <p:nvPr/>
+        </p:nvSpPr>
+        <p:spPr>
+          <a:xfrm>
+            <a:off x="6516545" y="3762693"/>
+            <a:ext cx="269633" cy="257915"/>
+          </a:xfrm>
+          <a:prstGeom prst="heart">
+            <a:avLst/>
+          </a:prstGeom>
+          <a:solidFill>
+            <a:srgbClr val="008000"/>
+          </a:solidFill>
+          <a:ln>
+            <a:solidFill>
+              <a:srgbClr val="000000"/>
+            </a:solidFill>
+          </a:ln>
+        </p:spPr>
+        <p:style>
+          <a:lnRef idx="1">
+            <a:schemeClr val="accent1"/>
+          </a:lnRef>
+          <a:fillRef idx="3">
+            <a:schemeClr val="accent1"/>
+          </a:fillRef>
+          <a:effectRef idx="2">
+            <a:schemeClr val="accent1"/>
+          </a:effectRef>
+          <a:fontRef idx="minor">
+            <a:schemeClr val="lt1"/>
+          </a:fontRef>
+        </p:style>
+        <p:txBody>
+          <a:bodyPr rtlCol="0" anchor="ctr"/>
+          <a:lstStyle/>
+          <a:p>
+            <a:pPr algn="ctr"/>
+            <a:endParaRPr lang="en-US"/>
+          </a:p>
+        </p:txBody>
+      </p:sp>
+      <p:sp>
+        <p:nvSpPr>
+          <p:cNvPr id="195" name="Heart 194">
+            <a:extLst>
+              <a:ext uri="{FF2B5EF4-FFF2-40B4-BE49-F238E27FC236}">
+                <a16:creationId xmlns:a16="http://schemas.microsoft.com/office/drawing/2014/main" id="{1C9FBC2A-D4AB-461A-9BBA-032C329C6F54}"/>
+              </a:ext>
+            </a:extLst>
+          </p:cNvPr>
+          <p:cNvSpPr/>
+          <p:nvPr/>
+        </p:nvSpPr>
+        <p:spPr>
+          <a:xfrm>
+            <a:off x="6821887" y="3761038"/>
+            <a:ext cx="269633" cy="257915"/>
+          </a:xfrm>
+          <a:prstGeom prst="heart">
+            <a:avLst/>
+          </a:prstGeom>
+          <a:solidFill>
+            <a:srgbClr val="008000"/>
+          </a:solidFill>
+          <a:ln>
+            <a:solidFill>
+              <a:srgbClr val="000000"/>
+            </a:solidFill>
+          </a:ln>
+        </p:spPr>
+        <p:style>
+          <a:lnRef idx="1">
+            <a:schemeClr val="accent1"/>
+          </a:lnRef>
+          <a:fillRef idx="3">
+            <a:schemeClr val="accent1"/>
+          </a:fillRef>
+          <a:effectRef idx="2">
+            <a:schemeClr val="accent1"/>
+          </a:effectRef>
+          <a:fontRef idx="minor">
+            <a:schemeClr val="lt1"/>
+          </a:fontRef>
+        </p:style>
+        <p:txBody>
+          <a:bodyPr rtlCol="0" anchor="ctr"/>
+          <a:lstStyle/>
+          <a:p>
+            <a:pPr algn="ctr"/>
+            <a:endParaRPr lang="en-US"/>
+          </a:p>
+        </p:txBody>
+      </p:sp>
+      <p:sp>
+        <p:nvSpPr>
+          <p:cNvPr id="197" name="Isosceles Triangle 196">
+            <a:extLst>
+              <a:ext uri="{FF2B5EF4-FFF2-40B4-BE49-F238E27FC236}">
+                <a16:creationId xmlns:a16="http://schemas.microsoft.com/office/drawing/2014/main" id="{398F3901-60ED-4EEA-9398-AAC084D531C1}"/>
+              </a:ext>
+            </a:extLst>
+          </p:cNvPr>
+          <p:cNvSpPr/>
+          <p:nvPr/>
+        </p:nvSpPr>
+        <p:spPr>
+          <a:xfrm>
+            <a:off x="6160331" y="5858451"/>
+            <a:ext cx="291163" cy="219064"/>
+          </a:xfrm>
+          <a:prstGeom prst="triangle">
+            <a:avLst/>
+          </a:prstGeom>
+          <a:solidFill>
+            <a:schemeClr val="accent6">
+              <a:lumMod val="75000"/>
+            </a:schemeClr>
+          </a:solidFill>
+          <a:ln>
+            <a:solidFill>
+              <a:srgbClr val="000000"/>
+            </a:solidFill>
+          </a:ln>
+        </p:spPr>
+        <p:style>
+          <a:lnRef idx="1">
+            <a:schemeClr val="accent1"/>
+          </a:lnRef>
+          <a:fillRef idx="3">
+            <a:schemeClr val="accent1"/>
+          </a:fillRef>
+          <a:effectRef idx="2">
+            <a:schemeClr val="accent1"/>
+          </a:effectRef>
+          <a:fontRef idx="minor">
+            <a:schemeClr val="lt1"/>
+          </a:fontRef>
+        </p:style>
+        <p:txBody>
+          <a:bodyPr rtlCol="0" anchor="ctr"/>
+          <a:lstStyle/>
+          <a:p>
+            <a:pPr algn="ctr"/>
+            <a:endParaRPr lang="en-US"/>
+          </a:p>
+        </p:txBody>
+      </p:sp>
+      <p:sp>
+        <p:nvSpPr>
+          <p:cNvPr id="199" name="Isosceles Triangle 198">
+            <a:extLst>
+              <a:ext uri="{FF2B5EF4-FFF2-40B4-BE49-F238E27FC236}">
+                <a16:creationId xmlns:a16="http://schemas.microsoft.com/office/drawing/2014/main" id="{1CE4E45A-33EB-4C01-8721-95AC706A349B}"/>
+              </a:ext>
+            </a:extLst>
+          </p:cNvPr>
+          <p:cNvSpPr/>
+          <p:nvPr/>
+        </p:nvSpPr>
+        <p:spPr>
+          <a:xfrm>
+            <a:off x="6484352" y="5868466"/>
+            <a:ext cx="291163" cy="219064"/>
+          </a:xfrm>
+          <a:prstGeom prst="triangle">
+            <a:avLst/>
+          </a:prstGeom>
+          <a:solidFill>
+            <a:schemeClr val="accent6">
+              <a:lumMod val="75000"/>
+            </a:schemeClr>
+          </a:solidFill>
+          <a:ln>
+            <a:solidFill>
+              <a:srgbClr val="000000"/>
+            </a:solidFill>
+          </a:ln>
+        </p:spPr>
+        <p:style>
+          <a:lnRef idx="1">
+            <a:schemeClr val="accent1"/>
+          </a:lnRef>
+          <a:fillRef idx="3">
+            <a:schemeClr val="accent1"/>
+          </a:fillRef>
+          <a:effectRef idx="2">
+            <a:schemeClr val="accent1"/>
+          </a:effectRef>
+          <a:fontRef idx="minor">
+            <a:schemeClr val="lt1"/>
+          </a:fontRef>
+        </p:style>
+        <p:txBody>
+          <a:bodyPr rtlCol="0" anchor="ctr"/>
+          <a:lstStyle/>
+          <a:p>
+            <a:pPr algn="ctr"/>
+            <a:endParaRPr lang="en-US"/>
+          </a:p>
+        </p:txBody>
+      </p:sp>
+      <p:sp>
+        <p:nvSpPr>
+          <p:cNvPr id="201" name="Isosceles Triangle 200">
+            <a:extLst>
+              <a:ext uri="{FF2B5EF4-FFF2-40B4-BE49-F238E27FC236}">
+                <a16:creationId xmlns:a16="http://schemas.microsoft.com/office/drawing/2014/main" id="{5C34260E-CED1-4A0C-81AB-F684513CDE68}"/>
+              </a:ext>
+            </a:extLst>
+          </p:cNvPr>
+          <p:cNvSpPr/>
+          <p:nvPr/>
+        </p:nvSpPr>
+        <p:spPr>
+          <a:xfrm>
+            <a:off x="6789247" y="5864356"/>
+            <a:ext cx="291163" cy="219064"/>
+          </a:xfrm>
+          <a:prstGeom prst="triangle">
+            <a:avLst/>
+          </a:prstGeom>
+          <a:solidFill>
+            <a:schemeClr val="accent6">
+              <a:lumMod val="75000"/>
+            </a:schemeClr>
+          </a:solidFill>
+          <a:ln>
+            <a:solidFill>
+              <a:srgbClr val="000000"/>
+            </a:solidFill>
+          </a:ln>
+        </p:spPr>
+        <p:style>
+          <a:lnRef idx="1">
+            <a:schemeClr val="accent1"/>
+          </a:lnRef>
+          <a:fillRef idx="3">
+            <a:schemeClr val="accent1"/>
+          </a:fillRef>
+          <a:effectRef idx="2">
+            <a:schemeClr val="accent1"/>
+          </a:effectRef>
+          <a:fontRef idx="minor">
+            <a:schemeClr val="lt1"/>
+          </a:fontRef>
+        </p:style>
+        <p:txBody>
+          <a:bodyPr rtlCol="0" anchor="ctr"/>
+          <a:lstStyle/>
+          <a:p>
+            <a:pPr algn="ctr"/>
+            <a:endParaRPr lang="en-US"/>
+          </a:p>
+        </p:txBody>
+      </p:sp>
+      <p:sp>
+        <p:nvSpPr>
+          <p:cNvPr id="52" name="Heart 51">
+            <a:extLst>
+              <a:ext uri="{FF2B5EF4-FFF2-40B4-BE49-F238E27FC236}">
+                <a16:creationId xmlns:a16="http://schemas.microsoft.com/office/drawing/2014/main" id="{536D01DE-799B-4289-ACFF-2A835EC18C57}"/>
+              </a:ext>
+            </a:extLst>
+          </p:cNvPr>
+          <p:cNvSpPr/>
+          <p:nvPr/>
+        </p:nvSpPr>
+        <p:spPr>
+          <a:xfrm>
+            <a:off x="6187622" y="4088237"/>
+            <a:ext cx="269633" cy="257915"/>
+          </a:xfrm>
+          <a:prstGeom prst="heart">
+            <a:avLst/>
+          </a:prstGeom>
+          <a:solidFill>
+            <a:srgbClr val="008000"/>
+          </a:solidFill>
+          <a:ln>
+            <a:solidFill>
+              <a:srgbClr val="000000"/>
+            </a:solidFill>
+          </a:ln>
+        </p:spPr>
+        <p:style>
+          <a:lnRef idx="1">
+            <a:schemeClr val="accent1"/>
+          </a:lnRef>
+          <a:fillRef idx="3">
+            <a:schemeClr val="accent1"/>
+          </a:fillRef>
+          <a:effectRef idx="2">
+            <a:schemeClr val="accent1"/>
+          </a:effectRef>
+          <a:fontRef idx="minor">
+            <a:schemeClr val="lt1"/>
+          </a:fontRef>
+        </p:style>
+        <p:txBody>
+          <a:bodyPr rtlCol="0" anchor="ctr"/>
+          <a:lstStyle/>
+          <a:p>
+            <a:pPr algn="ctr"/>
+            <a:endParaRPr lang="en-US"/>
           </a:p>
         </p:txBody>
       </p:sp>
